--- a/apresentação.pptx
+++ b/apresentação.pptx
@@ -5,7 +5,7 @@
     <p:sldMasterId id="2147483648" r:id="rId1"/>
   </p:sldMasterIdLst>
   <p:notesMasterIdLst>
-    <p:notesMasterId r:id="rId8"/>
+    <p:notesMasterId r:id="rId11"/>
   </p:notesMasterIdLst>
   <p:sldIdLst>
     <p:sldId id="256" r:id="rId2"/>
@@ -14,6 +14,9 @@
     <p:sldId id="259" r:id="rId5"/>
     <p:sldId id="260" r:id="rId6"/>
     <p:sldId id="261" r:id="rId7"/>
+    <p:sldId id="262" r:id="rId8"/>
+    <p:sldId id="263" r:id="rId9"/>
+    <p:sldId id="264" r:id="rId10"/>
   </p:sldIdLst>
   <p:sldSz cx="12192000" cy="6858000"/>
   <p:notesSz cx="6858000" cy="9144000"/>
@@ -112,6 +115,28 @@
       </a:defRPr>
     </a:lvl9pPr>
   </p:defaultTextStyle>
+  <p:extLst>
+    <p:ext uri="{521415D9-36F7-43E2-AB2F-B90AF26B5E84}">
+      <p14:sectionLst xmlns:p14="http://schemas.microsoft.com/office/powerpoint/2010/main">
+        <p14:section name="Default Section" id="{E0B55AC9-66C7-E345-B265-6824867D84FF}">
+          <p14:sldIdLst>
+            <p14:sldId id="256"/>
+            <p14:sldId id="257"/>
+            <p14:sldId id="258"/>
+            <p14:sldId id="259"/>
+            <p14:sldId id="260"/>
+            <p14:sldId id="261"/>
+            <p14:sldId id="262"/>
+            <p14:sldId id="263"/>
+            <p14:sldId id="264"/>
+          </p14:sldIdLst>
+        </p14:section>
+      </p14:sectionLst>
+    </p:ext>
+    <p:ext uri="{EFAFB233-063F-42B5-8137-9DF3F51BA10A}">
+      <p15:sldGuideLst xmlns:p15="http://schemas.microsoft.com/office/powerpoint/2012/main"/>
+    </p:ext>
+  </p:extLst>
 </p:presentation>
 </file>
 
@@ -197,7 +222,7 @@
           <a:p>
             <a:fld id="{103E7F78-BDFF-EA45-965B-9C2117FE6969}" type="datetimeFigureOut">
               <a:rPr lang="en-BR" smtClean="0"/>
-              <a:t>15/11/25</a:t>
+              <a:t>23/11/25</a:t>
             </a:fld>
             <a:endParaRPr lang="en-BR"/>
           </a:p>
@@ -614,7 +639,7 @@
           <a:p>
             <a:fld id="{8507A305-9097-0D48-B00D-CDAD8275DE7C}" type="datetimeFigureOut">
               <a:rPr lang="en-BR" smtClean="0"/>
-              <a:t>15/11/25</a:t>
+              <a:t>23/11/25</a:t>
             </a:fld>
             <a:endParaRPr lang="en-BR"/>
           </a:p>
@@ -814,7 +839,7 @@
           <a:p>
             <a:fld id="{8507A305-9097-0D48-B00D-CDAD8275DE7C}" type="datetimeFigureOut">
               <a:rPr lang="en-BR" smtClean="0"/>
-              <a:t>15/11/25</a:t>
+              <a:t>23/11/25</a:t>
             </a:fld>
             <a:endParaRPr lang="en-BR"/>
           </a:p>
@@ -1024,7 +1049,7 @@
           <a:p>
             <a:fld id="{8507A305-9097-0D48-B00D-CDAD8275DE7C}" type="datetimeFigureOut">
               <a:rPr lang="en-BR" smtClean="0"/>
-              <a:t>15/11/25</a:t>
+              <a:t>23/11/25</a:t>
             </a:fld>
             <a:endParaRPr lang="en-BR"/>
           </a:p>
@@ -1224,7 +1249,7 @@
           <a:p>
             <a:fld id="{8507A305-9097-0D48-B00D-CDAD8275DE7C}" type="datetimeFigureOut">
               <a:rPr lang="en-BR" smtClean="0"/>
-              <a:t>15/11/25</a:t>
+              <a:t>23/11/25</a:t>
             </a:fld>
             <a:endParaRPr lang="en-BR"/>
           </a:p>
@@ -1500,7 +1525,7 @@
           <a:p>
             <a:fld id="{8507A305-9097-0D48-B00D-CDAD8275DE7C}" type="datetimeFigureOut">
               <a:rPr lang="en-BR" smtClean="0"/>
-              <a:t>15/11/25</a:t>
+              <a:t>23/11/25</a:t>
             </a:fld>
             <a:endParaRPr lang="en-BR"/>
           </a:p>
@@ -1768,7 +1793,7 @@
           <a:p>
             <a:fld id="{8507A305-9097-0D48-B00D-CDAD8275DE7C}" type="datetimeFigureOut">
               <a:rPr lang="en-BR" smtClean="0"/>
-              <a:t>15/11/25</a:t>
+              <a:t>23/11/25</a:t>
             </a:fld>
             <a:endParaRPr lang="en-BR"/>
           </a:p>
@@ -2183,7 +2208,7 @@
           <a:p>
             <a:fld id="{8507A305-9097-0D48-B00D-CDAD8275DE7C}" type="datetimeFigureOut">
               <a:rPr lang="en-BR" smtClean="0"/>
-              <a:t>15/11/25</a:t>
+              <a:t>23/11/25</a:t>
             </a:fld>
             <a:endParaRPr lang="en-BR"/>
           </a:p>
@@ -2325,7 +2350,7 @@
           <a:p>
             <a:fld id="{8507A305-9097-0D48-B00D-CDAD8275DE7C}" type="datetimeFigureOut">
               <a:rPr lang="en-BR" smtClean="0"/>
-              <a:t>15/11/25</a:t>
+              <a:t>23/11/25</a:t>
             </a:fld>
             <a:endParaRPr lang="en-BR"/>
           </a:p>
@@ -2438,7 +2463,7 @@
           <a:p>
             <a:fld id="{8507A305-9097-0D48-B00D-CDAD8275DE7C}" type="datetimeFigureOut">
               <a:rPr lang="en-BR" smtClean="0"/>
-              <a:t>15/11/25</a:t>
+              <a:t>23/11/25</a:t>
             </a:fld>
             <a:endParaRPr lang="en-BR"/>
           </a:p>
@@ -2751,7 +2776,7 @@
           <a:p>
             <a:fld id="{8507A305-9097-0D48-B00D-CDAD8275DE7C}" type="datetimeFigureOut">
               <a:rPr lang="en-BR" smtClean="0"/>
-              <a:t>15/11/25</a:t>
+              <a:t>23/11/25</a:t>
             </a:fld>
             <a:endParaRPr lang="en-BR"/>
           </a:p>
@@ -3040,7 +3065,7 @@
           <a:p>
             <a:fld id="{8507A305-9097-0D48-B00D-CDAD8275DE7C}" type="datetimeFigureOut">
               <a:rPr lang="en-BR" smtClean="0"/>
-              <a:t>15/11/25</a:t>
+              <a:t>23/11/25</a:t>
             </a:fld>
             <a:endParaRPr lang="en-BR"/>
           </a:p>
@@ -3283,7 +3308,7 @@
           <a:p>
             <a:fld id="{8507A305-9097-0D48-B00D-CDAD8275DE7C}" type="datetimeFigureOut">
               <a:rPr lang="en-BR" smtClean="0"/>
-              <a:t>15/11/25</a:t>
+              <a:t>23/11/25</a:t>
             </a:fld>
             <a:endParaRPr lang="en-BR"/>
           </a:p>
@@ -3815,7 +3840,7 @@
         <p:spPr>
           <a:xfrm>
             <a:off x="723568" y="89517"/>
-            <a:ext cx="2181879" cy="769441"/>
+            <a:ext cx="5601983" cy="769441"/>
           </a:xfrm>
           <a:prstGeom prst="rect">
             <a:avLst/>
@@ -3834,7 +3859,7 @@
                   <a:schemeClr val="accent1"/>
                 </a:solidFill>
               </a:rPr>
-              <a:t>Solução</a:t>
+              <a:t>Requisitos do Sistema</a:t>
             </a:r>
           </a:p>
         </p:txBody>
@@ -3888,42 +3913,6 @@
           </a:p>
         </p:txBody>
       </p:sp>
-      <p:cxnSp>
-        <p:nvCxnSpPr>
-          <p:cNvPr id="7" name="Straight Connector 6">
-            <a:extLst>
-              <a:ext uri="{FF2B5EF4-FFF2-40B4-BE49-F238E27FC236}">
-                <a16:creationId xmlns:a16="http://schemas.microsoft.com/office/drawing/2014/main" id="{404D5665-0180-EACB-7D1F-2E326C02B7D8}"/>
-              </a:ext>
-            </a:extLst>
-          </p:cNvPr>
-          <p:cNvCxnSpPr/>
-          <p:nvPr/>
-        </p:nvCxnSpPr>
-        <p:spPr>
-          <a:xfrm>
-            <a:off x="2552369" y="1963972"/>
-            <a:ext cx="0" cy="0"/>
-          </a:xfrm>
-          <a:prstGeom prst="line">
-            <a:avLst/>
-          </a:prstGeom>
-        </p:spPr>
-        <p:style>
-          <a:lnRef idx="2">
-            <a:schemeClr val="accent1"/>
-          </a:lnRef>
-          <a:fillRef idx="0">
-            <a:schemeClr val="accent1"/>
-          </a:fillRef>
-          <a:effectRef idx="1">
-            <a:schemeClr val="accent1"/>
-          </a:effectRef>
-          <a:fontRef idx="minor">
-            <a:schemeClr val="tx1"/>
-          </a:fontRef>
-        </p:style>
-      </p:cxnSp>
       <p:cxnSp>
         <p:nvCxnSpPr>
           <p:cNvPr id="9" name="Straight Connector 8">
@@ -4206,372 +4195,6 @@
           </a:p>
         </p:txBody>
       </p:sp>
-      <p:sp>
-        <p:nvSpPr>
-          <p:cNvPr id="14" name="Oval 13">
-            <a:extLst>
-              <a:ext uri="{FF2B5EF4-FFF2-40B4-BE49-F238E27FC236}">
-                <a16:creationId xmlns:a16="http://schemas.microsoft.com/office/drawing/2014/main" id="{14A0B232-3721-E378-11D4-365306E526F5}"/>
-              </a:ext>
-            </a:extLst>
-          </p:cNvPr>
-          <p:cNvSpPr/>
-          <p:nvPr/>
-        </p:nvSpPr>
-        <p:spPr>
-          <a:xfrm>
-            <a:off x="403939" y="2033886"/>
-            <a:ext cx="129944" cy="129944"/>
-          </a:xfrm>
-          <a:prstGeom prst="ellipse">
-            <a:avLst/>
-          </a:prstGeom>
-          <a:ln>
-            <a:noFill/>
-          </a:ln>
-        </p:spPr>
-        <p:style>
-          <a:lnRef idx="2">
-            <a:schemeClr val="accent1">
-              <a:shade val="15000"/>
-            </a:schemeClr>
-          </a:lnRef>
-          <a:fillRef idx="1">
-            <a:schemeClr val="accent1"/>
-          </a:fillRef>
-          <a:effectRef idx="0">
-            <a:schemeClr val="accent1"/>
-          </a:effectRef>
-          <a:fontRef idx="minor">
-            <a:schemeClr val="lt1"/>
-          </a:fontRef>
-        </p:style>
-        <p:txBody>
-          <a:bodyPr rtlCol="0" anchor="ctr"/>
-          <a:lstStyle/>
-          <a:p>
-            <a:pPr algn="ctr"/>
-            <a:endParaRPr lang="en-BR"/>
-          </a:p>
-        </p:txBody>
-      </p:sp>
-      <p:sp>
-        <p:nvSpPr>
-          <p:cNvPr id="15" name="TextBox 14">
-            <a:extLst>
-              <a:ext uri="{FF2B5EF4-FFF2-40B4-BE49-F238E27FC236}">
-                <a16:creationId xmlns:a16="http://schemas.microsoft.com/office/drawing/2014/main" id="{F81BD752-782F-508B-0572-5CD46BA79BEB}"/>
-              </a:ext>
-            </a:extLst>
-          </p:cNvPr>
-          <p:cNvSpPr txBox="1"/>
-          <p:nvPr/>
-        </p:nvSpPr>
-        <p:spPr>
-          <a:xfrm>
-            <a:off x="596347" y="1868026"/>
-            <a:ext cx="4657557" cy="461665"/>
-          </a:xfrm>
-          <a:prstGeom prst="rect">
-            <a:avLst/>
-          </a:prstGeom>
-          <a:noFill/>
-        </p:spPr>
-        <p:txBody>
-          <a:bodyPr wrap="none" rtlCol="0">
-            <a:spAutoFit/>
-          </a:bodyPr>
-          <a:lstStyle/>
-          <a:p>
-            <a:r>
-              <a:rPr lang="en-BR" sz="2400" dirty="0"/>
-              <a:t>Mapeamento de caractes e ações</a:t>
-            </a:r>
-          </a:p>
-        </p:txBody>
-      </p:sp>
-      <p:sp>
-        <p:nvSpPr>
-          <p:cNvPr id="16" name="Oval 15">
-            <a:extLst>
-              <a:ext uri="{FF2B5EF4-FFF2-40B4-BE49-F238E27FC236}">
-                <a16:creationId xmlns:a16="http://schemas.microsoft.com/office/drawing/2014/main" id="{2342A844-E6C5-772B-BC22-C847F0BD0285}"/>
-              </a:ext>
-            </a:extLst>
-          </p:cNvPr>
-          <p:cNvSpPr/>
-          <p:nvPr/>
-        </p:nvSpPr>
-        <p:spPr>
-          <a:xfrm>
-            <a:off x="403939" y="2679129"/>
-            <a:ext cx="129944" cy="129944"/>
-          </a:xfrm>
-          <a:prstGeom prst="ellipse">
-            <a:avLst/>
-          </a:prstGeom>
-          <a:ln>
-            <a:noFill/>
-          </a:ln>
-        </p:spPr>
-        <p:style>
-          <a:lnRef idx="2">
-            <a:schemeClr val="accent1">
-              <a:shade val="15000"/>
-            </a:schemeClr>
-          </a:lnRef>
-          <a:fillRef idx="1">
-            <a:schemeClr val="accent1"/>
-          </a:fillRef>
-          <a:effectRef idx="0">
-            <a:schemeClr val="accent1"/>
-          </a:effectRef>
-          <a:fontRef idx="minor">
-            <a:schemeClr val="lt1"/>
-          </a:fontRef>
-        </p:style>
-        <p:txBody>
-          <a:bodyPr rtlCol="0" anchor="ctr"/>
-          <a:lstStyle/>
-          <a:p>
-            <a:pPr algn="ctr"/>
-            <a:endParaRPr lang="en-BR"/>
-          </a:p>
-        </p:txBody>
-      </p:sp>
-      <p:sp>
-        <p:nvSpPr>
-          <p:cNvPr id="17" name="TextBox 16">
-            <a:extLst>
-              <a:ext uri="{FF2B5EF4-FFF2-40B4-BE49-F238E27FC236}">
-                <a16:creationId xmlns:a16="http://schemas.microsoft.com/office/drawing/2014/main" id="{D2E2C8A0-5E0C-D75A-AA5E-CA9C73CDDD0E}"/>
-              </a:ext>
-            </a:extLst>
-          </p:cNvPr>
-          <p:cNvSpPr txBox="1"/>
-          <p:nvPr/>
-        </p:nvSpPr>
-        <p:spPr>
-          <a:xfrm>
-            <a:off x="596347" y="2513270"/>
-            <a:ext cx="3213957" cy="461665"/>
-          </a:xfrm>
-          <a:prstGeom prst="rect">
-            <a:avLst/>
-          </a:prstGeom>
-          <a:noFill/>
-        </p:spPr>
-        <p:txBody>
-          <a:bodyPr wrap="none" rtlCol="0">
-            <a:spAutoFit/>
-          </a:bodyPr>
-          <a:lstStyle/>
-          <a:p>
-            <a:r>
-              <a:rPr lang="en-BR" sz="2400" dirty="0"/>
-              <a:t>Extração de caracteres</a:t>
-            </a:r>
-          </a:p>
-        </p:txBody>
-      </p:sp>
-      <p:sp>
-        <p:nvSpPr>
-          <p:cNvPr id="18" name="Oval 17">
-            <a:extLst>
-              <a:ext uri="{FF2B5EF4-FFF2-40B4-BE49-F238E27FC236}">
-                <a16:creationId xmlns:a16="http://schemas.microsoft.com/office/drawing/2014/main" id="{52B3F194-1AD0-6088-7522-390C069D0BF8}"/>
-              </a:ext>
-            </a:extLst>
-          </p:cNvPr>
-          <p:cNvSpPr/>
-          <p:nvPr/>
-        </p:nvSpPr>
-        <p:spPr>
-          <a:xfrm>
-            <a:off x="403939" y="3324372"/>
-            <a:ext cx="129944" cy="129944"/>
-          </a:xfrm>
-          <a:prstGeom prst="ellipse">
-            <a:avLst/>
-          </a:prstGeom>
-          <a:ln>
-            <a:noFill/>
-          </a:ln>
-        </p:spPr>
-        <p:style>
-          <a:lnRef idx="2">
-            <a:schemeClr val="accent1">
-              <a:shade val="15000"/>
-            </a:schemeClr>
-          </a:lnRef>
-          <a:fillRef idx="1">
-            <a:schemeClr val="accent1"/>
-          </a:fillRef>
-          <a:effectRef idx="0">
-            <a:schemeClr val="accent1"/>
-          </a:effectRef>
-          <a:fontRef idx="minor">
-            <a:schemeClr val="lt1"/>
-          </a:fontRef>
-        </p:style>
-        <p:txBody>
-          <a:bodyPr rtlCol="0" anchor="ctr"/>
-          <a:lstStyle/>
-          <a:p>
-            <a:pPr algn="ctr"/>
-            <a:endParaRPr lang="en-BR"/>
-          </a:p>
-        </p:txBody>
-      </p:sp>
-      <p:sp>
-        <p:nvSpPr>
-          <p:cNvPr id="19" name="TextBox 18">
-            <a:extLst>
-              <a:ext uri="{FF2B5EF4-FFF2-40B4-BE49-F238E27FC236}">
-                <a16:creationId xmlns:a16="http://schemas.microsoft.com/office/drawing/2014/main" id="{D7EF8E5E-3833-B904-847F-71A415D87FA5}"/>
-              </a:ext>
-            </a:extLst>
-          </p:cNvPr>
-          <p:cNvSpPr txBox="1"/>
-          <p:nvPr/>
-        </p:nvSpPr>
-        <p:spPr>
-          <a:xfrm>
-            <a:off x="596347" y="3158514"/>
-            <a:ext cx="4205575" cy="461665"/>
-          </a:xfrm>
-          <a:prstGeom prst="rect">
-            <a:avLst/>
-          </a:prstGeom>
-          <a:noFill/>
-        </p:spPr>
-        <p:txBody>
-          <a:bodyPr wrap="none" rtlCol="0">
-            <a:spAutoFit/>
-          </a:bodyPr>
-          <a:lstStyle/>
-          <a:p>
-            <a:r>
-              <a:rPr lang="en-BR" sz="2400" dirty="0"/>
-              <a:t>Alteração no contexto musical</a:t>
-            </a:r>
-          </a:p>
-        </p:txBody>
-      </p:sp>
-      <p:sp>
-        <p:nvSpPr>
-          <p:cNvPr id="20" name="Oval 19">
-            <a:extLst>
-              <a:ext uri="{FF2B5EF4-FFF2-40B4-BE49-F238E27FC236}">
-                <a16:creationId xmlns:a16="http://schemas.microsoft.com/office/drawing/2014/main" id="{7E77B526-61D0-7FB1-7132-83F01D4DF184}"/>
-              </a:ext>
-            </a:extLst>
-          </p:cNvPr>
-          <p:cNvSpPr/>
-          <p:nvPr/>
-        </p:nvSpPr>
-        <p:spPr>
-          <a:xfrm>
-            <a:off x="403939" y="3966580"/>
-            <a:ext cx="129944" cy="129944"/>
-          </a:xfrm>
-          <a:prstGeom prst="ellipse">
-            <a:avLst/>
-          </a:prstGeom>
-          <a:ln>
-            <a:noFill/>
-          </a:ln>
-        </p:spPr>
-        <p:style>
-          <a:lnRef idx="2">
-            <a:schemeClr val="accent1">
-              <a:shade val="15000"/>
-            </a:schemeClr>
-          </a:lnRef>
-          <a:fillRef idx="1">
-            <a:schemeClr val="accent1"/>
-          </a:fillRef>
-          <a:effectRef idx="0">
-            <a:schemeClr val="accent1"/>
-          </a:effectRef>
-          <a:fontRef idx="minor">
-            <a:schemeClr val="lt1"/>
-          </a:fontRef>
-        </p:style>
-        <p:txBody>
-          <a:bodyPr rtlCol="0" anchor="ctr"/>
-          <a:lstStyle/>
-          <a:p>
-            <a:pPr algn="ctr"/>
-            <a:endParaRPr lang="en-BR"/>
-          </a:p>
-        </p:txBody>
-      </p:sp>
-      <p:sp>
-        <p:nvSpPr>
-          <p:cNvPr id="21" name="TextBox 20">
-            <a:extLst>
-              <a:ext uri="{FF2B5EF4-FFF2-40B4-BE49-F238E27FC236}">
-                <a16:creationId xmlns:a16="http://schemas.microsoft.com/office/drawing/2014/main" id="{62FB89E1-98D7-17F4-A9CB-A25DA8C86551}"/>
-              </a:ext>
-            </a:extLst>
-          </p:cNvPr>
-          <p:cNvSpPr txBox="1"/>
-          <p:nvPr/>
-        </p:nvSpPr>
-        <p:spPr>
-          <a:xfrm>
-            <a:off x="596347" y="3803759"/>
-            <a:ext cx="5703421" cy="461665"/>
-          </a:xfrm>
-          <a:prstGeom prst="rect">
-            <a:avLst/>
-          </a:prstGeom>
-          <a:noFill/>
-        </p:spPr>
-        <p:txBody>
-          <a:bodyPr wrap="none" rtlCol="0">
-            <a:spAutoFit/>
-          </a:bodyPr>
-          <a:lstStyle/>
-          <a:p>
-            <a:r>
-              <a:rPr lang="en-BR" sz="2400" dirty="0"/>
-              <a:t>Registra contexto musical no arquivo midi</a:t>
-            </a:r>
-          </a:p>
-        </p:txBody>
-      </p:sp>
-      <p:pic>
-        <p:nvPicPr>
-          <p:cNvPr id="22" name="Picture 21">
-            <a:extLst>
-              <a:ext uri="{FF2B5EF4-FFF2-40B4-BE49-F238E27FC236}">
-                <a16:creationId xmlns:a16="http://schemas.microsoft.com/office/drawing/2014/main" id="{05B88DA2-B5EC-D90F-5EB7-BEA8640E2AA0}"/>
-              </a:ext>
-            </a:extLst>
-          </p:cNvPr>
-          <p:cNvPicPr>
-            <a:picLocks noChangeAspect="1"/>
-          </p:cNvPicPr>
-          <p:nvPr/>
-        </p:nvPicPr>
-        <p:blipFill>
-          <a:blip r:embed="rId4"/>
-          <a:stretch>
-            <a:fillRect/>
-          </a:stretch>
-        </p:blipFill>
-        <p:spPr>
-          <a:xfrm>
-            <a:off x="6674489" y="1145173"/>
-            <a:ext cx="4793942" cy="3861110"/>
-          </a:xfrm>
-          <a:prstGeom prst="rect">
-            <a:avLst/>
-          </a:prstGeom>
-        </p:spPr>
-      </p:pic>
     </p:spTree>
     <p:extLst>
       <p:ext uri="{BB962C8B-B14F-4D97-AF65-F5344CB8AC3E}">
@@ -4623,7 +4246,7 @@
         <p:spPr>
           <a:xfrm>
             <a:off x="723568" y="89517"/>
-            <a:ext cx="6038833" cy="769441"/>
+            <a:ext cx="4342086" cy="769441"/>
           </a:xfrm>
           <a:prstGeom prst="rect">
             <a:avLst/>
@@ -4642,7 +4265,7 @@
                   <a:schemeClr val="accent1"/>
                 </a:solidFill>
               </a:rPr>
-              <a:t>Classes Model - Actions</a:t>
+              <a:t>Arquitetura Geral</a:t>
             </a:r>
           </a:p>
         </p:txBody>
@@ -4945,7 +4568,7 @@
         <p:spPr>
           <a:xfrm>
             <a:off x="723568" y="89517"/>
-            <a:ext cx="8088881" cy="769441"/>
+            <a:ext cx="5598136" cy="769441"/>
           </a:xfrm>
           <a:prstGeom prst="rect">
             <a:avLst/>
@@ -4964,7 +4587,7 @@
                   <a:schemeClr val="accent1"/>
                 </a:solidFill>
               </a:rPr>
-              <a:t>Classes Model – MusicalContext</a:t>
+              <a:t>Tecnologias Utilizadas</a:t>
             </a:r>
           </a:p>
         </p:txBody>
@@ -5267,7 +4890,7 @@
         <p:spPr>
           <a:xfrm>
             <a:off x="723568" y="89517"/>
-            <a:ext cx="2361416" cy="769441"/>
+            <a:ext cx="4972836" cy="769441"/>
           </a:xfrm>
           <a:prstGeom prst="rect">
             <a:avLst/>
@@ -5286,7 +4909,7 @@
                   <a:schemeClr val="accent1"/>
                 </a:solidFill>
               </a:rPr>
-              <a:t>Interface</a:t>
+              <a:t>Backend - Estrutura</a:t>
             </a:r>
           </a:p>
         </p:txBody>
@@ -5589,7 +5212,7 @@
         <p:spPr>
           <a:xfrm>
             <a:off x="723568" y="89517"/>
-            <a:ext cx="3800015" cy="769441"/>
+            <a:ext cx="9635330" cy="769441"/>
           </a:xfrm>
           <a:prstGeom prst="rect">
             <a:avLst/>
@@ -5608,7 +5231,7 @@
                   <a:schemeClr val="accent1"/>
                 </a:solidFill>
               </a:rPr>
-              <a:t>Demonstração</a:t>
+              <a:t>Frontend – Interface e Funcionalidades</a:t>
             </a:r>
           </a:p>
         </p:txBody>
@@ -5756,7 +5379,7 @@
                   <a:schemeClr val="accent1"/>
                 </a:solidFill>
               </a:rPr>
-              <a:t>05</a:t>
+              <a:t>06</a:t>
             </a:r>
           </a:p>
         </p:txBody>
@@ -5864,6 +5487,972 @@
     <p:extLst>
       <p:ext uri="{BB962C8B-B14F-4D97-AF65-F5344CB8AC3E}">
         <p14:creationId xmlns:p14="http://schemas.microsoft.com/office/powerpoint/2010/main" val="3464165039"/>
+      </p:ext>
+    </p:extLst>
+  </p:cSld>
+  <p:clrMapOvr>
+    <a:masterClrMapping/>
+  </p:clrMapOvr>
+</p:sld>
+</file>
+
+<file path=ppt/slides/slide7.xml><?xml version="1.0" encoding="utf-8"?>
+<p:sld xmlns:a="http://schemas.openxmlformats.org/drawingml/2006/main" xmlns:r="http://schemas.openxmlformats.org/officeDocument/2006/relationships" xmlns:p="http://schemas.openxmlformats.org/presentationml/2006/main">
+  <p:cSld>
+    <p:spTree>
+      <p:nvGrpSpPr>
+        <p:cNvPr id="1" name="">
+          <a:extLst>
+            <a:ext uri="{FF2B5EF4-FFF2-40B4-BE49-F238E27FC236}">
+              <a16:creationId xmlns:a16="http://schemas.microsoft.com/office/drawing/2014/main" id="{B19A056F-3D5A-8A95-47A7-F245632E6927}"/>
+            </a:ext>
+          </a:extLst>
+        </p:cNvPr>
+        <p:cNvGrpSpPr/>
+        <p:nvPr/>
+      </p:nvGrpSpPr>
+      <p:grpSpPr>
+        <a:xfrm>
+          <a:off x="0" y="0"/>
+          <a:ext cx="0" cy="0"/>
+          <a:chOff x="0" y="0"/>
+          <a:chExt cx="0" cy="0"/>
+        </a:xfrm>
+      </p:grpSpPr>
+      <p:sp>
+        <p:nvSpPr>
+          <p:cNvPr id="4" name="TextBox 3">
+            <a:extLst>
+              <a:ext uri="{FF2B5EF4-FFF2-40B4-BE49-F238E27FC236}">
+                <a16:creationId xmlns:a16="http://schemas.microsoft.com/office/drawing/2014/main" id="{1D5716A9-3711-339A-06CE-723D54D2E821}"/>
+              </a:ext>
+            </a:extLst>
+          </p:cNvPr>
+          <p:cNvSpPr txBox="1"/>
+          <p:nvPr/>
+        </p:nvSpPr>
+        <p:spPr>
+          <a:xfrm>
+            <a:off x="723568" y="89517"/>
+            <a:ext cx="9326079" cy="769441"/>
+          </a:xfrm>
+          <a:prstGeom prst="rect">
+            <a:avLst/>
+          </a:prstGeom>
+          <a:noFill/>
+        </p:spPr>
+        <p:txBody>
+          <a:bodyPr wrap="none" rtlCol="0">
+            <a:spAutoFit/>
+          </a:bodyPr>
+          <a:lstStyle/>
+          <a:p>
+            <a:r>
+              <a:rPr lang="en-BR" sz="4400" dirty="0">
+                <a:solidFill>
+                  <a:schemeClr val="accent1"/>
+                </a:solidFill>
+              </a:rPr>
+              <a:t>Frontend – Integração com o Backend</a:t>
+            </a:r>
+          </a:p>
+        </p:txBody>
+      </p:sp>
+      <p:sp>
+        <p:nvSpPr>
+          <p:cNvPr id="5" name="Oval 4">
+            <a:extLst>
+              <a:ext uri="{FF2B5EF4-FFF2-40B4-BE49-F238E27FC236}">
+                <a16:creationId xmlns:a16="http://schemas.microsoft.com/office/drawing/2014/main" id="{28925AE0-C04E-DB25-1097-D8700F28A237}"/>
+              </a:ext>
+            </a:extLst>
+          </p:cNvPr>
+          <p:cNvSpPr/>
+          <p:nvPr/>
+        </p:nvSpPr>
+        <p:spPr>
+          <a:xfrm>
+            <a:off x="405516" y="378823"/>
+            <a:ext cx="190831" cy="190831"/>
+          </a:xfrm>
+          <a:prstGeom prst="ellipse">
+            <a:avLst/>
+          </a:prstGeom>
+          <a:ln>
+            <a:noFill/>
+          </a:ln>
+        </p:spPr>
+        <p:style>
+          <a:lnRef idx="2">
+            <a:schemeClr val="accent1">
+              <a:shade val="15000"/>
+            </a:schemeClr>
+          </a:lnRef>
+          <a:fillRef idx="1">
+            <a:schemeClr val="accent1"/>
+          </a:fillRef>
+          <a:effectRef idx="0">
+            <a:schemeClr val="accent1"/>
+          </a:effectRef>
+          <a:fontRef idx="minor">
+            <a:schemeClr val="lt1"/>
+          </a:fontRef>
+        </p:style>
+        <p:txBody>
+          <a:bodyPr rtlCol="0" anchor="ctr"/>
+          <a:lstStyle/>
+          <a:p>
+            <a:pPr algn="ctr"/>
+            <a:endParaRPr lang="en-BR"/>
+          </a:p>
+        </p:txBody>
+      </p:sp>
+      <p:cxnSp>
+        <p:nvCxnSpPr>
+          <p:cNvPr id="9" name="Straight Connector 8">
+            <a:extLst>
+              <a:ext uri="{FF2B5EF4-FFF2-40B4-BE49-F238E27FC236}">
+                <a16:creationId xmlns:a16="http://schemas.microsoft.com/office/drawing/2014/main" id="{61991DF9-9015-BA7D-3488-094C2CF32654}"/>
+              </a:ext>
+            </a:extLst>
+          </p:cNvPr>
+          <p:cNvCxnSpPr>
+            <a:cxnSpLocks/>
+          </p:cNvCxnSpPr>
+          <p:nvPr/>
+        </p:nvCxnSpPr>
+        <p:spPr>
+          <a:xfrm>
+            <a:off x="405516" y="858958"/>
+            <a:ext cx="11521441" cy="0"/>
+          </a:xfrm>
+          <a:prstGeom prst="line">
+            <a:avLst/>
+          </a:prstGeom>
+          <a:ln>
+            <a:gradFill flip="none" rotWithShape="1">
+              <a:gsLst>
+                <a:gs pos="0">
+                  <a:schemeClr val="accent1"/>
+                </a:gs>
+                <a:gs pos="39000">
+                  <a:schemeClr val="accent1">
+                    <a:alpha val="56032"/>
+                  </a:schemeClr>
+                </a:gs>
+                <a:gs pos="84000">
+                  <a:schemeClr val="bg1"/>
+                </a:gs>
+                <a:gs pos="100000">
+                  <a:schemeClr val="bg1"/>
+                </a:gs>
+              </a:gsLst>
+              <a:lin ang="0" scaled="1"/>
+              <a:tileRect/>
+            </a:gradFill>
+          </a:ln>
+        </p:spPr>
+        <p:style>
+          <a:lnRef idx="2">
+            <a:schemeClr val="accent1"/>
+          </a:lnRef>
+          <a:fillRef idx="0">
+            <a:schemeClr val="accent1"/>
+          </a:fillRef>
+          <a:effectRef idx="1">
+            <a:schemeClr val="accent1"/>
+          </a:effectRef>
+          <a:fontRef idx="minor">
+            <a:schemeClr val="tx1"/>
+          </a:fontRef>
+        </p:style>
+      </p:cxnSp>
+      <p:sp>
+        <p:nvSpPr>
+          <p:cNvPr id="11" name="TextBox 10">
+            <a:extLst>
+              <a:ext uri="{FF2B5EF4-FFF2-40B4-BE49-F238E27FC236}">
+                <a16:creationId xmlns:a16="http://schemas.microsoft.com/office/drawing/2014/main" id="{8ADB336E-E725-3472-DD81-608BC5BC482D}"/>
+              </a:ext>
+            </a:extLst>
+          </p:cNvPr>
+          <p:cNvSpPr txBox="1"/>
+          <p:nvPr/>
+        </p:nvSpPr>
+        <p:spPr>
+          <a:xfrm>
+            <a:off x="11074734" y="89516"/>
+            <a:ext cx="787395" cy="769441"/>
+          </a:xfrm>
+          <a:prstGeom prst="rect">
+            <a:avLst/>
+          </a:prstGeom>
+          <a:noFill/>
+        </p:spPr>
+        <p:txBody>
+          <a:bodyPr wrap="none" rtlCol="0">
+            <a:spAutoFit/>
+          </a:bodyPr>
+          <a:lstStyle/>
+          <a:p>
+            <a:r>
+              <a:rPr lang="en-BR" sz="4400" dirty="0">
+                <a:solidFill>
+                  <a:schemeClr val="accent1"/>
+                </a:solidFill>
+              </a:rPr>
+              <a:t>07</a:t>
+            </a:r>
+          </a:p>
+        </p:txBody>
+      </p:sp>
+      <p:pic>
+        <p:nvPicPr>
+          <p:cNvPr id="1026" name="Picture 2" descr="21° Salão de Ensino UFRGS 2025">
+            <a:extLst>
+              <a:ext uri="{FF2B5EF4-FFF2-40B4-BE49-F238E27FC236}">
+                <a16:creationId xmlns:a16="http://schemas.microsoft.com/office/drawing/2014/main" id="{A371AFB8-84E0-7802-DF9B-F1EF44B0A671}"/>
+              </a:ext>
+            </a:extLst>
+          </p:cNvPr>
+          <p:cNvPicPr>
+            <a:picLocks noChangeAspect="1" noChangeArrowheads="1"/>
+          </p:cNvPicPr>
+          <p:nvPr/>
+        </p:nvPicPr>
+        <p:blipFill>
+          <a:blip r:embed="rId2">
+            <a:duotone>
+              <a:schemeClr val="accent1">
+                <a:shade val="45000"/>
+                <a:satMod val="135000"/>
+              </a:schemeClr>
+              <a:prstClr val="white"/>
+            </a:duotone>
+            <a:extLst>
+              <a:ext uri="{28A0092B-C50C-407E-A947-70E740481C1C}">
+                <a14:useLocalDpi xmlns:a14="http://schemas.microsoft.com/office/drawing/2010/main" val="0"/>
+              </a:ext>
+            </a:extLst>
+          </a:blip>
+          <a:srcRect/>
+          <a:stretch>
+            <a:fillRect/>
+          </a:stretch>
+        </p:blipFill>
+        <p:spPr bwMode="auto">
+          <a:xfrm>
+            <a:off x="11074734" y="5999042"/>
+            <a:ext cx="949411" cy="724717"/>
+          </a:xfrm>
+          <a:prstGeom prst="rect">
+            <a:avLst/>
+          </a:prstGeom>
+          <a:noFill/>
+          <a:extLst>
+            <a:ext uri="{909E8E84-426E-40DD-AFC4-6F175D3DCCD1}">
+              <a14:hiddenFill xmlns:a14="http://schemas.microsoft.com/office/drawing/2010/main">
+                <a:solidFill>
+                  <a:srgbClr val="FFFFFF"/>
+                </a:solidFill>
+              </a14:hiddenFill>
+            </a:ext>
+          </a:extLst>
+        </p:spPr>
+      </p:pic>
+      <p:pic>
+        <p:nvPicPr>
+          <p:cNvPr id="1028" name="Picture 4" descr="Marcas do Instituto de Informática">
+            <a:extLst>
+              <a:ext uri="{FF2B5EF4-FFF2-40B4-BE49-F238E27FC236}">
+                <a16:creationId xmlns:a16="http://schemas.microsoft.com/office/drawing/2014/main" id="{7D75F4C8-D513-F59E-2D6B-9187ACB14EDD}"/>
+              </a:ext>
+            </a:extLst>
+          </p:cNvPr>
+          <p:cNvPicPr>
+            <a:picLocks noChangeAspect="1" noChangeArrowheads="1"/>
+          </p:cNvPicPr>
+          <p:nvPr/>
+        </p:nvPicPr>
+        <p:blipFill>
+          <a:blip r:embed="rId3">
+            <a:duotone>
+              <a:schemeClr val="accent1">
+                <a:shade val="45000"/>
+                <a:satMod val="135000"/>
+              </a:schemeClr>
+              <a:prstClr val="white"/>
+            </a:duotone>
+            <a:extLst>
+              <a:ext uri="{28A0092B-C50C-407E-A947-70E740481C1C}">
+                <a14:useLocalDpi xmlns:a14="http://schemas.microsoft.com/office/drawing/2010/main" val="0"/>
+              </a:ext>
+            </a:extLst>
+          </a:blip>
+          <a:srcRect/>
+          <a:stretch>
+            <a:fillRect/>
+          </a:stretch>
+        </p:blipFill>
+        <p:spPr bwMode="auto">
+          <a:xfrm>
+            <a:off x="9812967" y="6057736"/>
+            <a:ext cx="1180758" cy="736257"/>
+          </a:xfrm>
+          <a:prstGeom prst="rect">
+            <a:avLst/>
+          </a:prstGeom>
+          <a:noFill/>
+        </p:spPr>
+      </p:pic>
+    </p:spTree>
+    <p:extLst>
+      <p:ext uri="{BB962C8B-B14F-4D97-AF65-F5344CB8AC3E}">
+        <p14:creationId xmlns:p14="http://schemas.microsoft.com/office/powerpoint/2010/main" val="4038521400"/>
+      </p:ext>
+    </p:extLst>
+  </p:cSld>
+  <p:clrMapOvr>
+    <a:masterClrMapping/>
+  </p:clrMapOvr>
+</p:sld>
+</file>
+
+<file path=ppt/slides/slide8.xml><?xml version="1.0" encoding="utf-8"?>
+<p:sld xmlns:a="http://schemas.openxmlformats.org/drawingml/2006/main" xmlns:r="http://schemas.openxmlformats.org/officeDocument/2006/relationships" xmlns:p="http://schemas.openxmlformats.org/presentationml/2006/main">
+  <p:cSld>
+    <p:spTree>
+      <p:nvGrpSpPr>
+        <p:cNvPr id="1" name="">
+          <a:extLst>
+            <a:ext uri="{FF2B5EF4-FFF2-40B4-BE49-F238E27FC236}">
+              <a16:creationId xmlns:a16="http://schemas.microsoft.com/office/drawing/2014/main" id="{91663781-823F-8CF1-CF2C-927BA52BC714}"/>
+            </a:ext>
+          </a:extLst>
+        </p:cNvPr>
+        <p:cNvGrpSpPr/>
+        <p:nvPr/>
+      </p:nvGrpSpPr>
+      <p:grpSpPr>
+        <a:xfrm>
+          <a:off x="0" y="0"/>
+          <a:ext cx="0" cy="0"/>
+          <a:chOff x="0" y="0"/>
+          <a:chExt cx="0" cy="0"/>
+        </a:xfrm>
+      </p:grpSpPr>
+      <p:sp>
+        <p:nvSpPr>
+          <p:cNvPr id="4" name="TextBox 3">
+            <a:extLst>
+              <a:ext uri="{FF2B5EF4-FFF2-40B4-BE49-F238E27FC236}">
+                <a16:creationId xmlns:a16="http://schemas.microsoft.com/office/drawing/2014/main" id="{698AAF5A-3E88-B17A-7F7F-8EBB9ED3277C}"/>
+              </a:ext>
+            </a:extLst>
+          </p:cNvPr>
+          <p:cNvSpPr txBox="1"/>
+          <p:nvPr/>
+        </p:nvSpPr>
+        <p:spPr>
+          <a:xfrm>
+            <a:off x="723568" y="89517"/>
+            <a:ext cx="5700022" cy="769441"/>
+          </a:xfrm>
+          <a:prstGeom prst="rect">
+            <a:avLst/>
+          </a:prstGeom>
+          <a:noFill/>
+        </p:spPr>
+        <p:txBody>
+          <a:bodyPr wrap="none" rtlCol="0">
+            <a:spAutoFit/>
+          </a:bodyPr>
+          <a:lstStyle/>
+          <a:p>
+            <a:r>
+              <a:rPr lang="en-BR" sz="4400" dirty="0">
+                <a:solidFill>
+                  <a:schemeClr val="accent1"/>
+                </a:solidFill>
+              </a:rPr>
+              <a:t>Testes Implementados</a:t>
+            </a:r>
+          </a:p>
+        </p:txBody>
+      </p:sp>
+      <p:sp>
+        <p:nvSpPr>
+          <p:cNvPr id="5" name="Oval 4">
+            <a:extLst>
+              <a:ext uri="{FF2B5EF4-FFF2-40B4-BE49-F238E27FC236}">
+                <a16:creationId xmlns:a16="http://schemas.microsoft.com/office/drawing/2014/main" id="{9BFD39A0-FE41-60C5-88AC-B251E19FBC3D}"/>
+              </a:ext>
+            </a:extLst>
+          </p:cNvPr>
+          <p:cNvSpPr/>
+          <p:nvPr/>
+        </p:nvSpPr>
+        <p:spPr>
+          <a:xfrm>
+            <a:off x="405516" y="378823"/>
+            <a:ext cx="190831" cy="190831"/>
+          </a:xfrm>
+          <a:prstGeom prst="ellipse">
+            <a:avLst/>
+          </a:prstGeom>
+          <a:ln>
+            <a:noFill/>
+          </a:ln>
+        </p:spPr>
+        <p:style>
+          <a:lnRef idx="2">
+            <a:schemeClr val="accent1">
+              <a:shade val="15000"/>
+            </a:schemeClr>
+          </a:lnRef>
+          <a:fillRef idx="1">
+            <a:schemeClr val="accent1"/>
+          </a:fillRef>
+          <a:effectRef idx="0">
+            <a:schemeClr val="accent1"/>
+          </a:effectRef>
+          <a:fontRef idx="minor">
+            <a:schemeClr val="lt1"/>
+          </a:fontRef>
+        </p:style>
+        <p:txBody>
+          <a:bodyPr rtlCol="0" anchor="ctr"/>
+          <a:lstStyle/>
+          <a:p>
+            <a:pPr algn="ctr"/>
+            <a:endParaRPr lang="en-BR"/>
+          </a:p>
+        </p:txBody>
+      </p:sp>
+      <p:cxnSp>
+        <p:nvCxnSpPr>
+          <p:cNvPr id="9" name="Straight Connector 8">
+            <a:extLst>
+              <a:ext uri="{FF2B5EF4-FFF2-40B4-BE49-F238E27FC236}">
+                <a16:creationId xmlns:a16="http://schemas.microsoft.com/office/drawing/2014/main" id="{0F22D39E-7BEE-6FA8-EF4E-2FB8C03E72D7}"/>
+              </a:ext>
+            </a:extLst>
+          </p:cNvPr>
+          <p:cNvCxnSpPr>
+            <a:cxnSpLocks/>
+          </p:cNvCxnSpPr>
+          <p:nvPr/>
+        </p:nvCxnSpPr>
+        <p:spPr>
+          <a:xfrm>
+            <a:off x="405516" y="858958"/>
+            <a:ext cx="11521441" cy="0"/>
+          </a:xfrm>
+          <a:prstGeom prst="line">
+            <a:avLst/>
+          </a:prstGeom>
+          <a:ln>
+            <a:gradFill flip="none" rotWithShape="1">
+              <a:gsLst>
+                <a:gs pos="0">
+                  <a:schemeClr val="accent1"/>
+                </a:gs>
+                <a:gs pos="39000">
+                  <a:schemeClr val="accent1">
+                    <a:alpha val="56032"/>
+                  </a:schemeClr>
+                </a:gs>
+                <a:gs pos="84000">
+                  <a:schemeClr val="bg1"/>
+                </a:gs>
+                <a:gs pos="100000">
+                  <a:schemeClr val="bg1"/>
+                </a:gs>
+              </a:gsLst>
+              <a:lin ang="0" scaled="1"/>
+              <a:tileRect/>
+            </a:gradFill>
+          </a:ln>
+        </p:spPr>
+        <p:style>
+          <a:lnRef idx="2">
+            <a:schemeClr val="accent1"/>
+          </a:lnRef>
+          <a:fillRef idx="0">
+            <a:schemeClr val="accent1"/>
+          </a:fillRef>
+          <a:effectRef idx="1">
+            <a:schemeClr val="accent1"/>
+          </a:effectRef>
+          <a:fontRef idx="minor">
+            <a:schemeClr val="tx1"/>
+          </a:fontRef>
+        </p:style>
+      </p:cxnSp>
+      <p:sp>
+        <p:nvSpPr>
+          <p:cNvPr id="11" name="TextBox 10">
+            <a:extLst>
+              <a:ext uri="{FF2B5EF4-FFF2-40B4-BE49-F238E27FC236}">
+                <a16:creationId xmlns:a16="http://schemas.microsoft.com/office/drawing/2014/main" id="{A912084F-6E28-7CEF-233F-291CC450093B}"/>
+              </a:ext>
+            </a:extLst>
+          </p:cNvPr>
+          <p:cNvSpPr txBox="1"/>
+          <p:nvPr/>
+        </p:nvSpPr>
+        <p:spPr>
+          <a:xfrm>
+            <a:off x="11074734" y="89516"/>
+            <a:ext cx="787395" cy="769441"/>
+          </a:xfrm>
+          <a:prstGeom prst="rect">
+            <a:avLst/>
+          </a:prstGeom>
+          <a:noFill/>
+        </p:spPr>
+        <p:txBody>
+          <a:bodyPr wrap="none" rtlCol="0">
+            <a:spAutoFit/>
+          </a:bodyPr>
+          <a:lstStyle/>
+          <a:p>
+            <a:r>
+              <a:rPr lang="en-BR" sz="4400" dirty="0">
+                <a:solidFill>
+                  <a:schemeClr val="accent1"/>
+                </a:solidFill>
+              </a:rPr>
+              <a:t>08</a:t>
+            </a:r>
+          </a:p>
+        </p:txBody>
+      </p:sp>
+      <p:pic>
+        <p:nvPicPr>
+          <p:cNvPr id="1026" name="Picture 2" descr="21° Salão de Ensino UFRGS 2025">
+            <a:extLst>
+              <a:ext uri="{FF2B5EF4-FFF2-40B4-BE49-F238E27FC236}">
+                <a16:creationId xmlns:a16="http://schemas.microsoft.com/office/drawing/2014/main" id="{69919A12-85F7-F83F-409F-6A81F56B198B}"/>
+              </a:ext>
+            </a:extLst>
+          </p:cNvPr>
+          <p:cNvPicPr>
+            <a:picLocks noChangeAspect="1" noChangeArrowheads="1"/>
+          </p:cNvPicPr>
+          <p:nvPr/>
+        </p:nvPicPr>
+        <p:blipFill>
+          <a:blip r:embed="rId2">
+            <a:duotone>
+              <a:schemeClr val="accent1">
+                <a:shade val="45000"/>
+                <a:satMod val="135000"/>
+              </a:schemeClr>
+              <a:prstClr val="white"/>
+            </a:duotone>
+            <a:extLst>
+              <a:ext uri="{28A0092B-C50C-407E-A947-70E740481C1C}">
+                <a14:useLocalDpi xmlns:a14="http://schemas.microsoft.com/office/drawing/2010/main" val="0"/>
+              </a:ext>
+            </a:extLst>
+          </a:blip>
+          <a:srcRect/>
+          <a:stretch>
+            <a:fillRect/>
+          </a:stretch>
+        </p:blipFill>
+        <p:spPr bwMode="auto">
+          <a:xfrm>
+            <a:off x="11074734" y="5999042"/>
+            <a:ext cx="949411" cy="724717"/>
+          </a:xfrm>
+          <a:prstGeom prst="rect">
+            <a:avLst/>
+          </a:prstGeom>
+          <a:noFill/>
+          <a:extLst>
+            <a:ext uri="{909E8E84-426E-40DD-AFC4-6F175D3DCCD1}">
+              <a14:hiddenFill xmlns:a14="http://schemas.microsoft.com/office/drawing/2010/main">
+                <a:solidFill>
+                  <a:srgbClr val="FFFFFF"/>
+                </a:solidFill>
+              </a14:hiddenFill>
+            </a:ext>
+          </a:extLst>
+        </p:spPr>
+      </p:pic>
+      <p:pic>
+        <p:nvPicPr>
+          <p:cNvPr id="1028" name="Picture 4" descr="Marcas do Instituto de Informática">
+            <a:extLst>
+              <a:ext uri="{FF2B5EF4-FFF2-40B4-BE49-F238E27FC236}">
+                <a16:creationId xmlns:a16="http://schemas.microsoft.com/office/drawing/2014/main" id="{24C50880-E7B5-DAE1-F60C-694BB5601543}"/>
+              </a:ext>
+            </a:extLst>
+          </p:cNvPr>
+          <p:cNvPicPr>
+            <a:picLocks noChangeAspect="1" noChangeArrowheads="1"/>
+          </p:cNvPicPr>
+          <p:nvPr/>
+        </p:nvPicPr>
+        <p:blipFill>
+          <a:blip r:embed="rId3">
+            <a:duotone>
+              <a:schemeClr val="accent1">
+                <a:shade val="45000"/>
+                <a:satMod val="135000"/>
+              </a:schemeClr>
+              <a:prstClr val="white"/>
+            </a:duotone>
+            <a:extLst>
+              <a:ext uri="{28A0092B-C50C-407E-A947-70E740481C1C}">
+                <a14:useLocalDpi xmlns:a14="http://schemas.microsoft.com/office/drawing/2010/main" val="0"/>
+              </a:ext>
+            </a:extLst>
+          </a:blip>
+          <a:srcRect/>
+          <a:stretch>
+            <a:fillRect/>
+          </a:stretch>
+        </p:blipFill>
+        <p:spPr bwMode="auto">
+          <a:xfrm>
+            <a:off x="9812967" y="6057736"/>
+            <a:ext cx="1180758" cy="736257"/>
+          </a:xfrm>
+          <a:prstGeom prst="rect">
+            <a:avLst/>
+          </a:prstGeom>
+          <a:noFill/>
+        </p:spPr>
+      </p:pic>
+    </p:spTree>
+    <p:extLst>
+      <p:ext uri="{BB962C8B-B14F-4D97-AF65-F5344CB8AC3E}">
+        <p14:creationId xmlns:p14="http://schemas.microsoft.com/office/powerpoint/2010/main" val="2807677693"/>
+      </p:ext>
+    </p:extLst>
+  </p:cSld>
+  <p:clrMapOvr>
+    <a:masterClrMapping/>
+  </p:clrMapOvr>
+</p:sld>
+</file>
+
+<file path=ppt/slides/slide9.xml><?xml version="1.0" encoding="utf-8"?>
+<p:sld xmlns:a="http://schemas.openxmlformats.org/drawingml/2006/main" xmlns:r="http://schemas.openxmlformats.org/officeDocument/2006/relationships" xmlns:p="http://schemas.openxmlformats.org/presentationml/2006/main">
+  <p:cSld>
+    <p:spTree>
+      <p:nvGrpSpPr>
+        <p:cNvPr id="1" name="">
+          <a:extLst>
+            <a:ext uri="{FF2B5EF4-FFF2-40B4-BE49-F238E27FC236}">
+              <a16:creationId xmlns:a16="http://schemas.microsoft.com/office/drawing/2014/main" id="{D334F078-D25D-7844-4BB1-D1B9AD410BD5}"/>
+            </a:ext>
+          </a:extLst>
+        </p:cNvPr>
+        <p:cNvGrpSpPr/>
+        <p:nvPr/>
+      </p:nvGrpSpPr>
+      <p:grpSpPr>
+        <a:xfrm>
+          <a:off x="0" y="0"/>
+          <a:ext cx="0" cy="0"/>
+          <a:chOff x="0" y="0"/>
+          <a:chExt cx="0" cy="0"/>
+        </a:xfrm>
+      </p:grpSpPr>
+      <p:sp>
+        <p:nvSpPr>
+          <p:cNvPr id="4" name="TextBox 3">
+            <a:extLst>
+              <a:ext uri="{FF2B5EF4-FFF2-40B4-BE49-F238E27FC236}">
+                <a16:creationId xmlns:a16="http://schemas.microsoft.com/office/drawing/2014/main" id="{3BF18C16-AD88-29F6-320E-019AFE56DAAA}"/>
+              </a:ext>
+            </a:extLst>
+          </p:cNvPr>
+          <p:cNvSpPr txBox="1"/>
+          <p:nvPr/>
+        </p:nvSpPr>
+        <p:spPr>
+          <a:xfrm>
+            <a:off x="723568" y="89517"/>
+            <a:ext cx="5129930" cy="769441"/>
+          </a:xfrm>
+          <a:prstGeom prst="rect">
+            <a:avLst/>
+          </a:prstGeom>
+          <a:noFill/>
+        </p:spPr>
+        <p:txBody>
+          <a:bodyPr wrap="none" rtlCol="0">
+            <a:spAutoFit/>
+          </a:bodyPr>
+          <a:lstStyle/>
+          <a:p>
+            <a:r>
+              <a:rPr lang="en-BR" sz="4400" dirty="0">
+                <a:solidFill>
+                  <a:schemeClr val="accent1"/>
+                </a:solidFill>
+              </a:rPr>
+              <a:t>Desafios e Soluções</a:t>
+            </a:r>
+          </a:p>
+        </p:txBody>
+      </p:sp>
+      <p:sp>
+        <p:nvSpPr>
+          <p:cNvPr id="5" name="Oval 4">
+            <a:extLst>
+              <a:ext uri="{FF2B5EF4-FFF2-40B4-BE49-F238E27FC236}">
+                <a16:creationId xmlns:a16="http://schemas.microsoft.com/office/drawing/2014/main" id="{3AE6FE6D-486A-098F-B84C-21AABA23F2D3}"/>
+              </a:ext>
+            </a:extLst>
+          </p:cNvPr>
+          <p:cNvSpPr/>
+          <p:nvPr/>
+        </p:nvSpPr>
+        <p:spPr>
+          <a:xfrm>
+            <a:off x="405516" y="378823"/>
+            <a:ext cx="190831" cy="190831"/>
+          </a:xfrm>
+          <a:prstGeom prst="ellipse">
+            <a:avLst/>
+          </a:prstGeom>
+          <a:ln>
+            <a:noFill/>
+          </a:ln>
+        </p:spPr>
+        <p:style>
+          <a:lnRef idx="2">
+            <a:schemeClr val="accent1">
+              <a:shade val="15000"/>
+            </a:schemeClr>
+          </a:lnRef>
+          <a:fillRef idx="1">
+            <a:schemeClr val="accent1"/>
+          </a:fillRef>
+          <a:effectRef idx="0">
+            <a:schemeClr val="accent1"/>
+          </a:effectRef>
+          <a:fontRef idx="minor">
+            <a:schemeClr val="lt1"/>
+          </a:fontRef>
+        </p:style>
+        <p:txBody>
+          <a:bodyPr rtlCol="0" anchor="ctr"/>
+          <a:lstStyle/>
+          <a:p>
+            <a:pPr algn="ctr"/>
+            <a:endParaRPr lang="en-BR"/>
+          </a:p>
+        </p:txBody>
+      </p:sp>
+      <p:cxnSp>
+        <p:nvCxnSpPr>
+          <p:cNvPr id="9" name="Straight Connector 8">
+            <a:extLst>
+              <a:ext uri="{FF2B5EF4-FFF2-40B4-BE49-F238E27FC236}">
+                <a16:creationId xmlns:a16="http://schemas.microsoft.com/office/drawing/2014/main" id="{936023F1-D1B1-CB79-6D0A-71BFC2B4D7AC}"/>
+              </a:ext>
+            </a:extLst>
+          </p:cNvPr>
+          <p:cNvCxnSpPr>
+            <a:cxnSpLocks/>
+          </p:cNvCxnSpPr>
+          <p:nvPr/>
+        </p:nvCxnSpPr>
+        <p:spPr>
+          <a:xfrm>
+            <a:off x="405516" y="858958"/>
+            <a:ext cx="11521441" cy="0"/>
+          </a:xfrm>
+          <a:prstGeom prst="line">
+            <a:avLst/>
+          </a:prstGeom>
+          <a:ln>
+            <a:gradFill flip="none" rotWithShape="1">
+              <a:gsLst>
+                <a:gs pos="0">
+                  <a:schemeClr val="accent1"/>
+                </a:gs>
+                <a:gs pos="39000">
+                  <a:schemeClr val="accent1">
+                    <a:alpha val="56032"/>
+                  </a:schemeClr>
+                </a:gs>
+                <a:gs pos="84000">
+                  <a:schemeClr val="bg1"/>
+                </a:gs>
+                <a:gs pos="100000">
+                  <a:schemeClr val="bg1"/>
+                </a:gs>
+              </a:gsLst>
+              <a:lin ang="0" scaled="1"/>
+              <a:tileRect/>
+            </a:gradFill>
+          </a:ln>
+        </p:spPr>
+        <p:style>
+          <a:lnRef idx="2">
+            <a:schemeClr val="accent1"/>
+          </a:lnRef>
+          <a:fillRef idx="0">
+            <a:schemeClr val="accent1"/>
+          </a:fillRef>
+          <a:effectRef idx="1">
+            <a:schemeClr val="accent1"/>
+          </a:effectRef>
+          <a:fontRef idx="minor">
+            <a:schemeClr val="tx1"/>
+          </a:fontRef>
+        </p:style>
+      </p:cxnSp>
+      <p:sp>
+        <p:nvSpPr>
+          <p:cNvPr id="11" name="TextBox 10">
+            <a:extLst>
+              <a:ext uri="{FF2B5EF4-FFF2-40B4-BE49-F238E27FC236}">
+                <a16:creationId xmlns:a16="http://schemas.microsoft.com/office/drawing/2014/main" id="{60761A21-3D5E-E3B2-465F-170FF29B1F5E}"/>
+              </a:ext>
+            </a:extLst>
+          </p:cNvPr>
+          <p:cNvSpPr txBox="1"/>
+          <p:nvPr/>
+        </p:nvSpPr>
+        <p:spPr>
+          <a:xfrm>
+            <a:off x="11074734" y="89516"/>
+            <a:ext cx="787395" cy="769441"/>
+          </a:xfrm>
+          <a:prstGeom prst="rect">
+            <a:avLst/>
+          </a:prstGeom>
+          <a:noFill/>
+        </p:spPr>
+        <p:txBody>
+          <a:bodyPr wrap="none" rtlCol="0">
+            <a:spAutoFit/>
+          </a:bodyPr>
+          <a:lstStyle/>
+          <a:p>
+            <a:r>
+              <a:rPr lang="en-BR" sz="4400" dirty="0">
+                <a:solidFill>
+                  <a:schemeClr val="accent1"/>
+                </a:solidFill>
+              </a:rPr>
+              <a:t>09</a:t>
+            </a:r>
+          </a:p>
+        </p:txBody>
+      </p:sp>
+      <p:pic>
+        <p:nvPicPr>
+          <p:cNvPr id="1026" name="Picture 2" descr="21° Salão de Ensino UFRGS 2025">
+            <a:extLst>
+              <a:ext uri="{FF2B5EF4-FFF2-40B4-BE49-F238E27FC236}">
+                <a16:creationId xmlns:a16="http://schemas.microsoft.com/office/drawing/2014/main" id="{4499D23F-A59F-2949-5EC0-38E2C9D331AE}"/>
+              </a:ext>
+            </a:extLst>
+          </p:cNvPr>
+          <p:cNvPicPr>
+            <a:picLocks noChangeAspect="1" noChangeArrowheads="1"/>
+          </p:cNvPicPr>
+          <p:nvPr/>
+        </p:nvPicPr>
+        <p:blipFill>
+          <a:blip r:embed="rId2">
+            <a:duotone>
+              <a:schemeClr val="accent1">
+                <a:shade val="45000"/>
+                <a:satMod val="135000"/>
+              </a:schemeClr>
+              <a:prstClr val="white"/>
+            </a:duotone>
+            <a:extLst>
+              <a:ext uri="{28A0092B-C50C-407E-A947-70E740481C1C}">
+                <a14:useLocalDpi xmlns:a14="http://schemas.microsoft.com/office/drawing/2010/main" val="0"/>
+              </a:ext>
+            </a:extLst>
+          </a:blip>
+          <a:srcRect/>
+          <a:stretch>
+            <a:fillRect/>
+          </a:stretch>
+        </p:blipFill>
+        <p:spPr bwMode="auto">
+          <a:xfrm>
+            <a:off x="11074734" y="5999042"/>
+            <a:ext cx="949411" cy="724717"/>
+          </a:xfrm>
+          <a:prstGeom prst="rect">
+            <a:avLst/>
+          </a:prstGeom>
+          <a:noFill/>
+          <a:extLst>
+            <a:ext uri="{909E8E84-426E-40DD-AFC4-6F175D3DCCD1}">
+              <a14:hiddenFill xmlns:a14="http://schemas.microsoft.com/office/drawing/2010/main">
+                <a:solidFill>
+                  <a:srgbClr val="FFFFFF"/>
+                </a:solidFill>
+              </a14:hiddenFill>
+            </a:ext>
+          </a:extLst>
+        </p:spPr>
+      </p:pic>
+      <p:pic>
+        <p:nvPicPr>
+          <p:cNvPr id="1028" name="Picture 4" descr="Marcas do Instituto de Informática">
+            <a:extLst>
+              <a:ext uri="{FF2B5EF4-FFF2-40B4-BE49-F238E27FC236}">
+                <a16:creationId xmlns:a16="http://schemas.microsoft.com/office/drawing/2014/main" id="{26D525E8-6426-191E-FD74-2E7EDC2BA888}"/>
+              </a:ext>
+            </a:extLst>
+          </p:cNvPr>
+          <p:cNvPicPr>
+            <a:picLocks noChangeAspect="1" noChangeArrowheads="1"/>
+          </p:cNvPicPr>
+          <p:nvPr/>
+        </p:nvPicPr>
+        <p:blipFill>
+          <a:blip r:embed="rId3">
+            <a:duotone>
+              <a:schemeClr val="accent1">
+                <a:shade val="45000"/>
+                <a:satMod val="135000"/>
+              </a:schemeClr>
+              <a:prstClr val="white"/>
+            </a:duotone>
+            <a:extLst>
+              <a:ext uri="{28A0092B-C50C-407E-A947-70E740481C1C}">
+                <a14:useLocalDpi xmlns:a14="http://schemas.microsoft.com/office/drawing/2010/main" val="0"/>
+              </a:ext>
+            </a:extLst>
+          </a:blip>
+          <a:srcRect/>
+          <a:stretch>
+            <a:fillRect/>
+          </a:stretch>
+        </p:blipFill>
+        <p:spPr bwMode="auto">
+          <a:xfrm>
+            <a:off x="9812967" y="6057736"/>
+            <a:ext cx="1180758" cy="736257"/>
+          </a:xfrm>
+          <a:prstGeom prst="rect">
+            <a:avLst/>
+          </a:prstGeom>
+          <a:noFill/>
+        </p:spPr>
+      </p:pic>
+    </p:spTree>
+    <p:extLst>
+      <p:ext uri="{BB962C8B-B14F-4D97-AF65-F5344CB8AC3E}">
+        <p14:creationId xmlns:p14="http://schemas.microsoft.com/office/powerpoint/2010/main" val="332849804"/>
       </p:ext>
     </p:extLst>
   </p:cSld>

--- a/apresentação.pptx
+++ b/apresentação.pptx
@@ -222,7 +222,7 @@
           <a:p>
             <a:fld id="{103E7F78-BDFF-EA45-965B-9C2117FE6969}" type="datetimeFigureOut">
               <a:rPr lang="en-BR" smtClean="0"/>
-              <a:t>23/11/25</a:t>
+              <a:t>24/11/25</a:t>
             </a:fld>
             <a:endParaRPr lang="en-BR"/>
           </a:p>
@@ -639,7 +639,7 @@
           <a:p>
             <a:fld id="{8507A305-9097-0D48-B00D-CDAD8275DE7C}" type="datetimeFigureOut">
               <a:rPr lang="en-BR" smtClean="0"/>
-              <a:t>23/11/25</a:t>
+              <a:t>24/11/25</a:t>
             </a:fld>
             <a:endParaRPr lang="en-BR"/>
           </a:p>
@@ -839,7 +839,7 @@
           <a:p>
             <a:fld id="{8507A305-9097-0D48-B00D-CDAD8275DE7C}" type="datetimeFigureOut">
               <a:rPr lang="en-BR" smtClean="0"/>
-              <a:t>23/11/25</a:t>
+              <a:t>24/11/25</a:t>
             </a:fld>
             <a:endParaRPr lang="en-BR"/>
           </a:p>
@@ -1049,7 +1049,7 @@
           <a:p>
             <a:fld id="{8507A305-9097-0D48-B00D-CDAD8275DE7C}" type="datetimeFigureOut">
               <a:rPr lang="en-BR" smtClean="0"/>
-              <a:t>23/11/25</a:t>
+              <a:t>24/11/25</a:t>
             </a:fld>
             <a:endParaRPr lang="en-BR"/>
           </a:p>
@@ -1249,7 +1249,7 @@
           <a:p>
             <a:fld id="{8507A305-9097-0D48-B00D-CDAD8275DE7C}" type="datetimeFigureOut">
               <a:rPr lang="en-BR" smtClean="0"/>
-              <a:t>23/11/25</a:t>
+              <a:t>24/11/25</a:t>
             </a:fld>
             <a:endParaRPr lang="en-BR"/>
           </a:p>
@@ -1525,7 +1525,7 @@
           <a:p>
             <a:fld id="{8507A305-9097-0D48-B00D-CDAD8275DE7C}" type="datetimeFigureOut">
               <a:rPr lang="en-BR" smtClean="0"/>
-              <a:t>23/11/25</a:t>
+              <a:t>24/11/25</a:t>
             </a:fld>
             <a:endParaRPr lang="en-BR"/>
           </a:p>
@@ -1793,7 +1793,7 @@
           <a:p>
             <a:fld id="{8507A305-9097-0D48-B00D-CDAD8275DE7C}" type="datetimeFigureOut">
               <a:rPr lang="en-BR" smtClean="0"/>
-              <a:t>23/11/25</a:t>
+              <a:t>24/11/25</a:t>
             </a:fld>
             <a:endParaRPr lang="en-BR"/>
           </a:p>
@@ -2208,7 +2208,7 @@
           <a:p>
             <a:fld id="{8507A305-9097-0D48-B00D-CDAD8275DE7C}" type="datetimeFigureOut">
               <a:rPr lang="en-BR" smtClean="0"/>
-              <a:t>23/11/25</a:t>
+              <a:t>24/11/25</a:t>
             </a:fld>
             <a:endParaRPr lang="en-BR"/>
           </a:p>
@@ -2350,7 +2350,7 @@
           <a:p>
             <a:fld id="{8507A305-9097-0D48-B00D-CDAD8275DE7C}" type="datetimeFigureOut">
               <a:rPr lang="en-BR" smtClean="0"/>
-              <a:t>23/11/25</a:t>
+              <a:t>24/11/25</a:t>
             </a:fld>
             <a:endParaRPr lang="en-BR"/>
           </a:p>
@@ -2463,7 +2463,7 @@
           <a:p>
             <a:fld id="{8507A305-9097-0D48-B00D-CDAD8275DE7C}" type="datetimeFigureOut">
               <a:rPr lang="en-BR" smtClean="0"/>
-              <a:t>23/11/25</a:t>
+              <a:t>24/11/25</a:t>
             </a:fld>
             <a:endParaRPr lang="en-BR"/>
           </a:p>
@@ -2776,7 +2776,7 @@
           <a:p>
             <a:fld id="{8507A305-9097-0D48-B00D-CDAD8275DE7C}" type="datetimeFigureOut">
               <a:rPr lang="en-BR" smtClean="0"/>
-              <a:t>23/11/25</a:t>
+              <a:t>24/11/25</a:t>
             </a:fld>
             <a:endParaRPr lang="en-BR"/>
           </a:p>
@@ -3065,7 +3065,7 @@
           <a:p>
             <a:fld id="{8507A305-9097-0D48-B00D-CDAD8275DE7C}" type="datetimeFigureOut">
               <a:rPr lang="en-BR" smtClean="0"/>
-              <a:t>23/11/25</a:t>
+              <a:t>24/11/25</a:t>
             </a:fld>
             <a:endParaRPr lang="en-BR"/>
           </a:p>
@@ -3308,7 +3308,7 @@
           <a:p>
             <a:fld id="{8507A305-9097-0D48-B00D-CDAD8275DE7C}" type="datetimeFigureOut">
               <a:rPr lang="en-BR" smtClean="0"/>
-              <a:t>23/11/25</a:t>
+              <a:t>24/11/25</a:t>
             </a:fld>
             <a:endParaRPr lang="en-BR"/>
           </a:p>
@@ -4111,90 +4111,636 @@
           <a:noFill/>
         </p:spPr>
       </p:pic>
-      <p:sp>
-        <p:nvSpPr>
-          <p:cNvPr id="12" name="Oval 11">
-            <a:extLst>
-              <a:ext uri="{FF2B5EF4-FFF2-40B4-BE49-F238E27FC236}">
-                <a16:creationId xmlns:a16="http://schemas.microsoft.com/office/drawing/2014/main" id="{8949C518-40BB-3293-6A30-4B7BB3EEA8C3}"/>
-              </a:ext>
-            </a:extLst>
-          </p:cNvPr>
-          <p:cNvSpPr/>
+      <p:grpSp>
+        <p:nvGrpSpPr>
+          <p:cNvPr id="2" name="Group 1">
+            <a:extLst>
+              <a:ext uri="{FF2B5EF4-FFF2-40B4-BE49-F238E27FC236}">
+                <a16:creationId xmlns:a16="http://schemas.microsoft.com/office/drawing/2014/main" id="{A5D003BE-AAF4-514B-0D3D-698CE924F304}"/>
+              </a:ext>
+            </a:extLst>
+          </p:cNvPr>
+          <p:cNvGrpSpPr/>
           <p:nvPr/>
-        </p:nvSpPr>
-        <p:spPr>
-          <a:xfrm>
-            <a:off x="405516" y="1388643"/>
-            <a:ext cx="129944" cy="129944"/>
-          </a:xfrm>
-          <a:prstGeom prst="ellipse">
-            <a:avLst/>
-          </a:prstGeom>
-          <a:ln>
+        </p:nvGrpSpPr>
+        <p:grpSpPr>
+          <a:xfrm>
+            <a:off x="405516" y="1222782"/>
+            <a:ext cx="4629290" cy="461665"/>
+            <a:chOff x="405516" y="1222782"/>
+            <a:chExt cx="4629290" cy="461665"/>
+          </a:xfrm>
+        </p:grpSpPr>
+        <p:sp>
+          <p:nvSpPr>
+            <p:cNvPr id="12" name="Oval 11">
+              <a:extLst>
+                <a:ext uri="{FF2B5EF4-FFF2-40B4-BE49-F238E27FC236}">
+                  <a16:creationId xmlns:a16="http://schemas.microsoft.com/office/drawing/2014/main" id="{8949C518-40BB-3293-6A30-4B7BB3EEA8C3}"/>
+                </a:ext>
+              </a:extLst>
+            </p:cNvPr>
+            <p:cNvSpPr/>
+            <p:nvPr/>
+          </p:nvSpPr>
+          <p:spPr>
+            <a:xfrm>
+              <a:off x="405516" y="1388643"/>
+              <a:ext cx="129944" cy="129944"/>
+            </a:xfrm>
+            <a:prstGeom prst="ellipse">
+              <a:avLst/>
+            </a:prstGeom>
+            <a:ln>
+              <a:noFill/>
+            </a:ln>
+          </p:spPr>
+          <p:style>
+            <a:lnRef idx="2">
+              <a:schemeClr val="accent1">
+                <a:shade val="15000"/>
+              </a:schemeClr>
+            </a:lnRef>
+            <a:fillRef idx="1">
+              <a:schemeClr val="accent1"/>
+            </a:fillRef>
+            <a:effectRef idx="0">
+              <a:schemeClr val="accent1"/>
+            </a:effectRef>
+            <a:fontRef idx="minor">
+              <a:schemeClr val="lt1"/>
+            </a:fontRef>
+          </p:style>
+          <p:txBody>
+            <a:bodyPr rtlCol="0" anchor="ctr"/>
+            <a:lstStyle/>
+            <a:p>
+              <a:pPr algn="ctr"/>
+              <a:endParaRPr lang="en-BR"/>
+            </a:p>
+          </p:txBody>
+        </p:sp>
+        <p:sp>
+          <p:nvSpPr>
+            <p:cNvPr id="13" name="TextBox 12">
+              <a:extLst>
+                <a:ext uri="{FF2B5EF4-FFF2-40B4-BE49-F238E27FC236}">
+                  <a16:creationId xmlns:a16="http://schemas.microsoft.com/office/drawing/2014/main" id="{D1049766-B939-B3E2-B2CE-C7C794110647}"/>
+                </a:ext>
+              </a:extLst>
+            </p:cNvPr>
+            <p:cNvSpPr txBox="1"/>
+            <p:nvPr/>
+          </p:nvSpPr>
+          <p:spPr>
+            <a:xfrm>
+              <a:off x="596347" y="1222782"/>
+              <a:ext cx="4438459" cy="461665"/>
+            </a:xfrm>
+            <a:prstGeom prst="rect">
+              <a:avLst/>
+            </a:prstGeom>
             <a:noFill/>
-          </a:ln>
-        </p:spPr>
-        <p:style>
-          <a:lnRef idx="2">
-            <a:schemeClr val="accent1">
-              <a:shade val="15000"/>
-            </a:schemeClr>
-          </a:lnRef>
-          <a:fillRef idx="1">
-            <a:schemeClr val="accent1"/>
-          </a:fillRef>
-          <a:effectRef idx="0">
-            <a:schemeClr val="accent1"/>
-          </a:effectRef>
-          <a:fontRef idx="minor">
-            <a:schemeClr val="lt1"/>
-          </a:fontRef>
-        </p:style>
-        <p:txBody>
-          <a:bodyPr rtlCol="0" anchor="ctr"/>
-          <a:lstStyle/>
-          <a:p>
-            <a:pPr algn="ctr"/>
-            <a:endParaRPr lang="en-BR"/>
-          </a:p>
-        </p:txBody>
-      </p:sp>
-      <p:sp>
-        <p:nvSpPr>
-          <p:cNvPr id="13" name="TextBox 12">
-            <a:extLst>
-              <a:ext uri="{FF2B5EF4-FFF2-40B4-BE49-F238E27FC236}">
-                <a16:creationId xmlns:a16="http://schemas.microsoft.com/office/drawing/2014/main" id="{D1049766-B939-B3E2-B2CE-C7C794110647}"/>
-              </a:ext>
-            </a:extLst>
-          </p:cNvPr>
-          <p:cNvSpPr txBox="1"/>
+          </p:spPr>
+          <p:txBody>
+            <a:bodyPr wrap="none" rtlCol="0">
+              <a:spAutoFit/>
+            </a:bodyPr>
+            <a:lstStyle/>
+            <a:p>
+              <a:r>
+                <a:rPr lang="en-BR" sz="2400" dirty="0"/>
+                <a:t>API para criação do arquivo midi</a:t>
+              </a:r>
+            </a:p>
+          </p:txBody>
+        </p:sp>
+      </p:grpSp>
+      <p:grpSp>
+        <p:nvGrpSpPr>
+          <p:cNvPr id="3" name="Group 2">
+            <a:extLst>
+              <a:ext uri="{FF2B5EF4-FFF2-40B4-BE49-F238E27FC236}">
+                <a16:creationId xmlns:a16="http://schemas.microsoft.com/office/drawing/2014/main" id="{A826086F-85F7-7F50-7A6E-DB6F7F2B0E89}"/>
+              </a:ext>
+            </a:extLst>
+          </p:cNvPr>
+          <p:cNvGrpSpPr/>
           <p:nvPr/>
-        </p:nvSpPr>
-        <p:spPr>
-          <a:xfrm>
-            <a:off x="596347" y="1222782"/>
-            <a:ext cx="4438459" cy="461665"/>
-          </a:xfrm>
-          <a:prstGeom prst="rect">
-            <a:avLst/>
-          </a:prstGeom>
-          <a:noFill/>
-        </p:spPr>
-        <p:txBody>
-          <a:bodyPr wrap="none" rtlCol="0">
-            <a:spAutoFit/>
-          </a:bodyPr>
-          <a:lstStyle/>
-          <a:p>
-            <a:r>
-              <a:rPr lang="en-BR" sz="2400" dirty="0"/>
-              <a:t>API para criação do arquivo midi</a:t>
-            </a:r>
-          </a:p>
-        </p:txBody>
-      </p:sp>
+        </p:nvGrpSpPr>
+        <p:grpSpPr>
+          <a:xfrm>
+            <a:off x="405516" y="1757212"/>
+            <a:ext cx="7252829" cy="461665"/>
+            <a:chOff x="405516" y="1222782"/>
+            <a:chExt cx="7252829" cy="461665"/>
+          </a:xfrm>
+        </p:grpSpPr>
+        <p:sp>
+          <p:nvSpPr>
+            <p:cNvPr id="6" name="Oval 5">
+              <a:extLst>
+                <a:ext uri="{FF2B5EF4-FFF2-40B4-BE49-F238E27FC236}">
+                  <a16:creationId xmlns:a16="http://schemas.microsoft.com/office/drawing/2014/main" id="{A9455A85-ED4F-1AF2-75D9-44E73BDED20B}"/>
+                </a:ext>
+              </a:extLst>
+            </p:cNvPr>
+            <p:cNvSpPr/>
+            <p:nvPr/>
+          </p:nvSpPr>
+          <p:spPr>
+            <a:xfrm>
+              <a:off x="405516" y="1388643"/>
+              <a:ext cx="129944" cy="129944"/>
+            </a:xfrm>
+            <a:prstGeom prst="ellipse">
+              <a:avLst/>
+            </a:prstGeom>
+            <a:ln>
+              <a:noFill/>
+            </a:ln>
+          </p:spPr>
+          <p:style>
+            <a:lnRef idx="2">
+              <a:schemeClr val="accent1">
+                <a:shade val="15000"/>
+              </a:schemeClr>
+            </a:lnRef>
+            <a:fillRef idx="1">
+              <a:schemeClr val="accent1"/>
+            </a:fillRef>
+            <a:effectRef idx="0">
+              <a:schemeClr val="accent1"/>
+            </a:effectRef>
+            <a:fontRef idx="minor">
+              <a:schemeClr val="lt1"/>
+            </a:fontRef>
+          </p:style>
+          <p:txBody>
+            <a:bodyPr rtlCol="0" anchor="ctr"/>
+            <a:lstStyle/>
+            <a:p>
+              <a:pPr algn="ctr"/>
+              <a:endParaRPr lang="en-BR"/>
+            </a:p>
+          </p:txBody>
+        </p:sp>
+        <p:sp>
+          <p:nvSpPr>
+            <p:cNvPr id="7" name="TextBox 6">
+              <a:extLst>
+                <a:ext uri="{FF2B5EF4-FFF2-40B4-BE49-F238E27FC236}">
+                  <a16:creationId xmlns:a16="http://schemas.microsoft.com/office/drawing/2014/main" id="{50F6D203-D37D-FB82-DAB1-B44C45E5820D}"/>
+                </a:ext>
+              </a:extLst>
+            </p:cNvPr>
+            <p:cNvSpPr txBox="1"/>
+            <p:nvPr/>
+          </p:nvSpPr>
+          <p:spPr>
+            <a:xfrm>
+              <a:off x="596347" y="1222782"/>
+              <a:ext cx="7061998" cy="461665"/>
+            </a:xfrm>
+            <a:prstGeom prst="rect">
+              <a:avLst/>
+            </a:prstGeom>
+            <a:noFill/>
+          </p:spPr>
+          <p:txBody>
+            <a:bodyPr wrap="none" rtlCol="0">
+              <a:spAutoFit/>
+            </a:bodyPr>
+            <a:lstStyle/>
+            <a:p>
+              <a:r>
+                <a:rPr lang="en-BR" sz="2400" dirty="0"/>
+                <a:t>Backend processa entrada e gera arquivo de música</a:t>
+              </a:r>
+            </a:p>
+          </p:txBody>
+        </p:sp>
+      </p:grpSp>
+      <p:grpSp>
+        <p:nvGrpSpPr>
+          <p:cNvPr id="8" name="Group 7">
+            <a:extLst>
+              <a:ext uri="{FF2B5EF4-FFF2-40B4-BE49-F238E27FC236}">
+                <a16:creationId xmlns:a16="http://schemas.microsoft.com/office/drawing/2014/main" id="{97CFB1EC-E5C9-1C30-5752-02F090BAD14B}"/>
+              </a:ext>
+            </a:extLst>
+          </p:cNvPr>
+          <p:cNvGrpSpPr/>
+          <p:nvPr/>
+        </p:nvGrpSpPr>
+        <p:grpSpPr>
+          <a:xfrm>
+            <a:off x="405516" y="2291642"/>
+            <a:ext cx="7814906" cy="461665"/>
+            <a:chOff x="405516" y="1222782"/>
+            <a:chExt cx="7814906" cy="461665"/>
+          </a:xfrm>
+        </p:grpSpPr>
+        <p:sp>
+          <p:nvSpPr>
+            <p:cNvPr id="10" name="Oval 9">
+              <a:extLst>
+                <a:ext uri="{FF2B5EF4-FFF2-40B4-BE49-F238E27FC236}">
+                  <a16:creationId xmlns:a16="http://schemas.microsoft.com/office/drawing/2014/main" id="{E0C7BE50-7DEB-9603-E970-E8397D160BD6}"/>
+                </a:ext>
+              </a:extLst>
+            </p:cNvPr>
+            <p:cNvSpPr/>
+            <p:nvPr/>
+          </p:nvSpPr>
+          <p:spPr>
+            <a:xfrm>
+              <a:off x="405516" y="1388643"/>
+              <a:ext cx="129944" cy="129944"/>
+            </a:xfrm>
+            <a:prstGeom prst="ellipse">
+              <a:avLst/>
+            </a:prstGeom>
+            <a:ln>
+              <a:noFill/>
+            </a:ln>
+          </p:spPr>
+          <p:style>
+            <a:lnRef idx="2">
+              <a:schemeClr val="accent1">
+                <a:shade val="15000"/>
+              </a:schemeClr>
+            </a:lnRef>
+            <a:fillRef idx="1">
+              <a:schemeClr val="accent1"/>
+            </a:fillRef>
+            <a:effectRef idx="0">
+              <a:schemeClr val="accent1"/>
+            </a:effectRef>
+            <a:fontRef idx="minor">
+              <a:schemeClr val="lt1"/>
+            </a:fontRef>
+          </p:style>
+          <p:txBody>
+            <a:bodyPr rtlCol="0" anchor="ctr"/>
+            <a:lstStyle/>
+            <a:p>
+              <a:pPr algn="ctr"/>
+              <a:endParaRPr lang="en-BR"/>
+            </a:p>
+          </p:txBody>
+        </p:sp>
+        <p:sp>
+          <p:nvSpPr>
+            <p:cNvPr id="14" name="TextBox 13">
+              <a:extLst>
+                <a:ext uri="{FF2B5EF4-FFF2-40B4-BE49-F238E27FC236}">
+                  <a16:creationId xmlns:a16="http://schemas.microsoft.com/office/drawing/2014/main" id="{4B347236-7CB2-39AB-9BD6-0596601A8E6A}"/>
+                </a:ext>
+              </a:extLst>
+            </p:cNvPr>
+            <p:cNvSpPr txBox="1"/>
+            <p:nvPr/>
+          </p:nvSpPr>
+          <p:spPr>
+            <a:xfrm>
+              <a:off x="596347" y="1222782"/>
+              <a:ext cx="7624075" cy="461665"/>
+            </a:xfrm>
+            <a:prstGeom prst="rect">
+              <a:avLst/>
+            </a:prstGeom>
+            <a:noFill/>
+          </p:spPr>
+          <p:txBody>
+            <a:bodyPr wrap="none" rtlCol="0">
+              <a:spAutoFit/>
+            </a:bodyPr>
+            <a:lstStyle/>
+            <a:p>
+              <a:r>
+                <a:rPr lang="en-BR" sz="2400" dirty="0"/>
+                <a:t>Frontend recebe entrada e habilita saídas para o usuário</a:t>
+              </a:r>
+            </a:p>
+          </p:txBody>
+        </p:sp>
+      </p:grpSp>
+      <p:grpSp>
+        <p:nvGrpSpPr>
+          <p:cNvPr id="15" name="Group 14">
+            <a:extLst>
+              <a:ext uri="{FF2B5EF4-FFF2-40B4-BE49-F238E27FC236}">
+                <a16:creationId xmlns:a16="http://schemas.microsoft.com/office/drawing/2014/main" id="{D5ADFF2E-768C-913A-7708-4D5AD9B2CCF4}"/>
+              </a:ext>
+            </a:extLst>
+          </p:cNvPr>
+          <p:cNvGrpSpPr/>
+          <p:nvPr/>
+        </p:nvGrpSpPr>
+        <p:grpSpPr>
+          <a:xfrm>
+            <a:off x="405516" y="2826072"/>
+            <a:ext cx="4665005" cy="461665"/>
+            <a:chOff x="405516" y="1222782"/>
+            <a:chExt cx="4665005" cy="461665"/>
+          </a:xfrm>
+        </p:grpSpPr>
+        <p:sp>
+          <p:nvSpPr>
+            <p:cNvPr id="16" name="Oval 15">
+              <a:extLst>
+                <a:ext uri="{FF2B5EF4-FFF2-40B4-BE49-F238E27FC236}">
+                  <a16:creationId xmlns:a16="http://schemas.microsoft.com/office/drawing/2014/main" id="{F7BA95E8-D61E-7942-73A3-76F3619A21F7}"/>
+                </a:ext>
+              </a:extLst>
+            </p:cNvPr>
+            <p:cNvSpPr/>
+            <p:nvPr/>
+          </p:nvSpPr>
+          <p:spPr>
+            <a:xfrm>
+              <a:off x="405516" y="1388643"/>
+              <a:ext cx="129944" cy="129944"/>
+            </a:xfrm>
+            <a:prstGeom prst="ellipse">
+              <a:avLst/>
+            </a:prstGeom>
+            <a:ln>
+              <a:noFill/>
+            </a:ln>
+          </p:spPr>
+          <p:style>
+            <a:lnRef idx="2">
+              <a:schemeClr val="accent1">
+                <a:shade val="15000"/>
+              </a:schemeClr>
+            </a:lnRef>
+            <a:fillRef idx="1">
+              <a:schemeClr val="accent1"/>
+            </a:fillRef>
+            <a:effectRef idx="0">
+              <a:schemeClr val="accent1"/>
+            </a:effectRef>
+            <a:fontRef idx="minor">
+              <a:schemeClr val="lt1"/>
+            </a:fontRef>
+          </p:style>
+          <p:txBody>
+            <a:bodyPr rtlCol="0" anchor="ctr"/>
+            <a:lstStyle/>
+            <a:p>
+              <a:pPr algn="ctr"/>
+              <a:endParaRPr lang="en-BR"/>
+            </a:p>
+          </p:txBody>
+        </p:sp>
+        <p:sp>
+          <p:nvSpPr>
+            <p:cNvPr id="17" name="TextBox 16">
+              <a:extLst>
+                <a:ext uri="{FF2B5EF4-FFF2-40B4-BE49-F238E27FC236}">
+                  <a16:creationId xmlns:a16="http://schemas.microsoft.com/office/drawing/2014/main" id="{6A988085-70FA-9511-B38F-5DB0E8AB439D}"/>
+                </a:ext>
+              </a:extLst>
+            </p:cNvPr>
+            <p:cNvSpPr txBox="1"/>
+            <p:nvPr/>
+          </p:nvSpPr>
+          <p:spPr>
+            <a:xfrm>
+              <a:off x="596347" y="1222782"/>
+              <a:ext cx="4474174" cy="461665"/>
+            </a:xfrm>
+            <a:prstGeom prst="rect">
+              <a:avLst/>
+            </a:prstGeom>
+            <a:noFill/>
+          </p:spPr>
+          <p:txBody>
+            <a:bodyPr wrap="none" rtlCol="0">
+              <a:spAutoFit/>
+            </a:bodyPr>
+            <a:lstStyle/>
+            <a:p>
+              <a:r>
+                <a:rPr lang="en-BR" sz="2400" dirty="0"/>
+                <a:t>Usuário acessa uma página web</a:t>
+              </a:r>
+            </a:p>
+          </p:txBody>
+        </p:sp>
+      </p:grpSp>
+      <p:grpSp>
+        <p:nvGrpSpPr>
+          <p:cNvPr id="18" name="Group 17">
+            <a:extLst>
+              <a:ext uri="{FF2B5EF4-FFF2-40B4-BE49-F238E27FC236}">
+                <a16:creationId xmlns:a16="http://schemas.microsoft.com/office/drawing/2014/main" id="{F6E1C826-84F4-80AC-92E6-55BD846B1B27}"/>
+              </a:ext>
+            </a:extLst>
+          </p:cNvPr>
+          <p:cNvGrpSpPr/>
+          <p:nvPr/>
+        </p:nvGrpSpPr>
+        <p:grpSpPr>
+          <a:xfrm>
+            <a:off x="405516" y="3360502"/>
+            <a:ext cx="6501982" cy="461665"/>
+            <a:chOff x="405516" y="1222782"/>
+            <a:chExt cx="6501982" cy="461665"/>
+          </a:xfrm>
+        </p:grpSpPr>
+        <p:sp>
+          <p:nvSpPr>
+            <p:cNvPr id="19" name="Oval 18">
+              <a:extLst>
+                <a:ext uri="{FF2B5EF4-FFF2-40B4-BE49-F238E27FC236}">
+                  <a16:creationId xmlns:a16="http://schemas.microsoft.com/office/drawing/2014/main" id="{C4C0A1E8-142C-1C6D-1415-7660953AD4D7}"/>
+                </a:ext>
+              </a:extLst>
+            </p:cNvPr>
+            <p:cNvSpPr/>
+            <p:nvPr/>
+          </p:nvSpPr>
+          <p:spPr>
+            <a:xfrm>
+              <a:off x="405516" y="1388643"/>
+              <a:ext cx="129944" cy="129944"/>
+            </a:xfrm>
+            <a:prstGeom prst="ellipse">
+              <a:avLst/>
+            </a:prstGeom>
+            <a:ln>
+              <a:noFill/>
+            </a:ln>
+          </p:spPr>
+          <p:style>
+            <a:lnRef idx="2">
+              <a:schemeClr val="accent1">
+                <a:shade val="15000"/>
+              </a:schemeClr>
+            </a:lnRef>
+            <a:fillRef idx="1">
+              <a:schemeClr val="accent1"/>
+            </a:fillRef>
+            <a:effectRef idx="0">
+              <a:schemeClr val="accent1"/>
+            </a:effectRef>
+            <a:fontRef idx="minor">
+              <a:schemeClr val="lt1"/>
+            </a:fontRef>
+          </p:style>
+          <p:txBody>
+            <a:bodyPr rtlCol="0" anchor="ctr"/>
+            <a:lstStyle/>
+            <a:p>
+              <a:pPr algn="ctr"/>
+              <a:endParaRPr lang="en-BR"/>
+            </a:p>
+          </p:txBody>
+        </p:sp>
+        <p:sp>
+          <p:nvSpPr>
+            <p:cNvPr id="20" name="TextBox 19">
+              <a:extLst>
+                <a:ext uri="{FF2B5EF4-FFF2-40B4-BE49-F238E27FC236}">
+                  <a16:creationId xmlns:a16="http://schemas.microsoft.com/office/drawing/2014/main" id="{EFA2643C-72F2-7BED-2665-E9DF4B4303CD}"/>
+                </a:ext>
+              </a:extLst>
+            </p:cNvPr>
+            <p:cNvSpPr txBox="1"/>
+            <p:nvPr/>
+          </p:nvSpPr>
+          <p:spPr>
+            <a:xfrm>
+              <a:off x="596347" y="1222782"/>
+              <a:ext cx="6311151" cy="461665"/>
+            </a:xfrm>
+            <a:prstGeom prst="rect">
+              <a:avLst/>
+            </a:prstGeom>
+            <a:noFill/>
+          </p:spPr>
+          <p:txBody>
+            <a:bodyPr wrap="none" rtlCol="0">
+              <a:spAutoFit/>
+            </a:bodyPr>
+            <a:lstStyle/>
+            <a:p>
+              <a:r>
+                <a:rPr lang="en-BR" sz="2400" dirty="0"/>
+                <a:t>Sistema deve aceitar arquivo txt como entrada</a:t>
+              </a:r>
+            </a:p>
+          </p:txBody>
+        </p:sp>
+      </p:grpSp>
+      <p:grpSp>
+        <p:nvGrpSpPr>
+          <p:cNvPr id="21" name="Group 20">
+            <a:extLst>
+              <a:ext uri="{FF2B5EF4-FFF2-40B4-BE49-F238E27FC236}">
+                <a16:creationId xmlns:a16="http://schemas.microsoft.com/office/drawing/2014/main" id="{1ADC204A-9582-93E7-D63D-3058553EE8EE}"/>
+              </a:ext>
+            </a:extLst>
+          </p:cNvPr>
+          <p:cNvGrpSpPr/>
+          <p:nvPr/>
+        </p:nvGrpSpPr>
+        <p:grpSpPr>
+          <a:xfrm>
+            <a:off x="405516" y="3894930"/>
+            <a:ext cx="3832534" cy="461665"/>
+            <a:chOff x="405516" y="1222782"/>
+            <a:chExt cx="3832534" cy="461665"/>
+          </a:xfrm>
+        </p:grpSpPr>
+        <p:sp>
+          <p:nvSpPr>
+            <p:cNvPr id="22" name="Oval 21">
+              <a:extLst>
+                <a:ext uri="{FF2B5EF4-FFF2-40B4-BE49-F238E27FC236}">
+                  <a16:creationId xmlns:a16="http://schemas.microsoft.com/office/drawing/2014/main" id="{F7A8C6E1-C7A3-0D5A-BED7-FD837E7F718A}"/>
+                </a:ext>
+              </a:extLst>
+            </p:cNvPr>
+            <p:cNvSpPr/>
+            <p:nvPr/>
+          </p:nvSpPr>
+          <p:spPr>
+            <a:xfrm>
+              <a:off x="405516" y="1388643"/>
+              <a:ext cx="129944" cy="129944"/>
+            </a:xfrm>
+            <a:prstGeom prst="ellipse">
+              <a:avLst/>
+            </a:prstGeom>
+            <a:ln>
+              <a:noFill/>
+            </a:ln>
+          </p:spPr>
+          <p:style>
+            <a:lnRef idx="2">
+              <a:schemeClr val="accent1">
+                <a:shade val="15000"/>
+              </a:schemeClr>
+            </a:lnRef>
+            <a:fillRef idx="1">
+              <a:schemeClr val="accent1"/>
+            </a:fillRef>
+            <a:effectRef idx="0">
+              <a:schemeClr val="accent1"/>
+            </a:effectRef>
+            <a:fontRef idx="minor">
+              <a:schemeClr val="lt1"/>
+            </a:fontRef>
+          </p:style>
+          <p:txBody>
+            <a:bodyPr rtlCol="0" anchor="ctr"/>
+            <a:lstStyle/>
+            <a:p>
+              <a:pPr algn="ctr"/>
+              <a:endParaRPr lang="en-BR"/>
+            </a:p>
+          </p:txBody>
+        </p:sp>
+        <p:sp>
+          <p:nvSpPr>
+            <p:cNvPr id="23" name="TextBox 22">
+              <a:extLst>
+                <a:ext uri="{FF2B5EF4-FFF2-40B4-BE49-F238E27FC236}">
+                  <a16:creationId xmlns:a16="http://schemas.microsoft.com/office/drawing/2014/main" id="{3FA113E4-EA2F-0471-CE0A-50AFA5ABD96D}"/>
+                </a:ext>
+              </a:extLst>
+            </p:cNvPr>
+            <p:cNvSpPr txBox="1"/>
+            <p:nvPr/>
+          </p:nvSpPr>
+          <p:spPr>
+            <a:xfrm>
+              <a:off x="596347" y="1222782"/>
+              <a:ext cx="3641703" cy="461665"/>
+            </a:xfrm>
+            <a:prstGeom prst="rect">
+              <a:avLst/>
+            </a:prstGeom>
+            <a:noFill/>
+          </p:spPr>
+          <p:txBody>
+            <a:bodyPr wrap="none" rtlCol="0">
+              <a:spAutoFit/>
+            </a:bodyPr>
+            <a:lstStyle/>
+            <a:p>
+              <a:r>
+                <a:rPr lang="en-BR" sz="2400" dirty="0"/>
+                <a:t>Download do arquivo midi</a:t>
+              </a:r>
+            </a:p>
+          </p:txBody>
+        </p:sp>
+      </p:grpSp>
     </p:spTree>
     <p:extLst>
       <p:ext uri="{BB962C8B-B14F-4D97-AF65-F5344CB8AC3E}">
@@ -4515,6 +5061,114 @@
             <a:avLst/>
           </a:prstGeom>
           <a:noFill/>
+        </p:spPr>
+      </p:pic>
+      <p:pic>
+        <p:nvPicPr>
+          <p:cNvPr id="3" name="Graphic 2" descr="Ui Ux with solid fill">
+            <a:extLst>
+              <a:ext uri="{FF2B5EF4-FFF2-40B4-BE49-F238E27FC236}">
+                <a16:creationId xmlns:a16="http://schemas.microsoft.com/office/drawing/2014/main" id="{F961945B-220B-BDE7-3D7A-3B495EED17A4}"/>
+              </a:ext>
+            </a:extLst>
+          </p:cNvPr>
+          <p:cNvPicPr>
+            <a:picLocks noChangeAspect="1"/>
+          </p:cNvPicPr>
+          <p:nvPr/>
+        </p:nvPicPr>
+        <p:blipFill>
+          <a:blip r:embed="rId4">
+            <a:extLst>
+              <a:ext uri="{96DAC541-7B7A-43D3-8B79-37D633B846F1}">
+                <asvg:svgBlip xmlns:asvg="http://schemas.microsoft.com/office/drawing/2016/SVG/main" r:embed="rId5"/>
+              </a:ext>
+            </a:extLst>
+          </a:blip>
+          <a:stretch>
+            <a:fillRect/>
+          </a:stretch>
+        </p:blipFill>
+        <p:spPr>
+          <a:xfrm>
+            <a:off x="4063999" y="2384652"/>
+            <a:ext cx="1326444" cy="1326444"/>
+          </a:xfrm>
+          <a:prstGeom prst="rect">
+            <a:avLst/>
+          </a:prstGeom>
+        </p:spPr>
+      </p:pic>
+      <p:pic>
+        <p:nvPicPr>
+          <p:cNvPr id="7" name="Graphic 6" descr="User with solid fill">
+            <a:extLst>
+              <a:ext uri="{FF2B5EF4-FFF2-40B4-BE49-F238E27FC236}">
+                <a16:creationId xmlns:a16="http://schemas.microsoft.com/office/drawing/2014/main" id="{ED1E9C2E-7621-0816-F469-F013D53DC490}"/>
+              </a:ext>
+            </a:extLst>
+          </p:cNvPr>
+          <p:cNvPicPr>
+            <a:picLocks noChangeAspect="1"/>
+          </p:cNvPicPr>
+          <p:nvPr/>
+        </p:nvPicPr>
+        <p:blipFill>
+          <a:blip r:embed="rId6">
+            <a:extLst>
+              <a:ext uri="{96DAC541-7B7A-43D3-8B79-37D633B846F1}">
+                <asvg:svgBlip xmlns:asvg="http://schemas.microsoft.com/office/drawing/2016/SVG/main" r:embed="rId7"/>
+              </a:ext>
+            </a:extLst>
+          </a:blip>
+          <a:stretch>
+            <a:fillRect/>
+          </a:stretch>
+        </p:blipFill>
+        <p:spPr>
+          <a:xfrm>
+            <a:off x="836457" y="2062729"/>
+            <a:ext cx="1749841" cy="1749841"/>
+          </a:xfrm>
+          <a:prstGeom prst="rect">
+            <a:avLst/>
+          </a:prstGeom>
+        </p:spPr>
+      </p:pic>
+      <p:pic>
+        <p:nvPicPr>
+          <p:cNvPr id="10" name="Graphic 9" descr="Server with solid fill">
+            <a:extLst>
+              <a:ext uri="{FF2B5EF4-FFF2-40B4-BE49-F238E27FC236}">
+                <a16:creationId xmlns:a16="http://schemas.microsoft.com/office/drawing/2014/main" id="{38C3AAEC-E229-C146-527F-A0C4AF358F28}"/>
+              </a:ext>
+            </a:extLst>
+          </p:cNvPr>
+          <p:cNvPicPr>
+            <a:picLocks noChangeAspect="1"/>
+          </p:cNvPicPr>
+          <p:nvPr/>
+        </p:nvPicPr>
+        <p:blipFill>
+          <a:blip r:embed="rId8">
+            <a:extLst>
+              <a:ext uri="{96DAC541-7B7A-43D3-8B79-37D633B846F1}">
+                <asvg:svgBlip xmlns:asvg="http://schemas.microsoft.com/office/drawing/2016/SVG/main" r:embed="rId9"/>
+              </a:ext>
+            </a:extLst>
+          </a:blip>
+          <a:stretch>
+            <a:fillRect/>
+          </a:stretch>
+        </p:blipFill>
+        <p:spPr>
+          <a:xfrm>
+            <a:off x="7507114" y="2452385"/>
+            <a:ext cx="1190978" cy="1190978"/>
+          </a:xfrm>
+          <a:prstGeom prst="rect">
+            <a:avLst/>
+          </a:prstGeom>
         </p:spPr>
       </p:pic>
     </p:spTree>
